--- a/PRES Retirement Analysis.pptx
+++ b/PRES Retirement Analysis.pptx
@@ -275,8 +275,11 @@
     </a:lvl9pPr>
   </p:defaultTextStyle>
   <p:extLst>
+    <p:ext uri="{EFAFB233-063F-42B5-8137-9DF3F51BA10A}">
+      <p15:sldGuideLst xmlns:p15="http://schemas.microsoft.com/office/powerpoint/2012/main"/>
+    </p:ext>
     <p:ext uri="GoogleSlidesCustomDataVersion2">
-      <go:slidesCustomData xmlns:go="http://customooxmlschemas.google.com/" xmlns:ahyp="http://schemas.microsoft.com/office/drawing/2018/hyperlinkcolor" xmlns:p15="http://schemas.microsoft.com/office/powerpoint/2012/main" xmlns:p14="http://schemas.microsoft.com/office/powerpoint/2010/main" xmlns:com="http://schemas.openxmlformats.org/drawingml/2006/compatibility" xmlns:pvml="urn:schemas-microsoft-com:office:powerpoint" xmlns:v="urn:schemas-microsoft-com:vml" xmlns:o="urn:schemas-microsoft-com:office:office" xmlns:dgm="http://schemas.openxmlformats.org/drawingml/2006/diagram" xmlns:c="http://schemas.openxmlformats.org/drawingml/2006/chart" xmlns:mv="urn:schemas-microsoft-com:mac:vml" xmlns:mc="http://schemas.openxmlformats.org/markup-compatibility/2006" xmlns="" r:id="rId29" roundtripDataSignature="AMtx7miN4RHCYCkVlYgQ9pur26Qu2sIhfA=="/>
+      <go:slidesCustomData xmlns="" xmlns:mc="http://schemas.openxmlformats.org/markup-compatibility/2006" xmlns:mv="urn:schemas-microsoft-com:mac:vml" xmlns:c="http://schemas.openxmlformats.org/drawingml/2006/chart" xmlns:dgm="http://schemas.openxmlformats.org/drawingml/2006/diagram" xmlns:o="urn:schemas-microsoft-com:office:office" xmlns:v="urn:schemas-microsoft-com:vml" xmlns:pvml="urn:schemas-microsoft-com:office:powerpoint" xmlns:com="http://schemas.openxmlformats.org/drawingml/2006/compatibility" xmlns:p14="http://schemas.microsoft.com/office/powerpoint/2010/main" xmlns:p15="http://schemas.microsoft.com/office/powerpoint/2012/main" xmlns:ahyp="http://schemas.microsoft.com/office/drawing/2018/hyperlinkcolor" xmlns:go="http://customooxmlschemas.google.com/" r:id="rId29" roundtripDataSignature="AMtx7miN4RHCYCkVlYgQ9pur26Qu2sIhfA=="/>
     </p:ext>
   </p:extLst>
 </p:presentation>
@@ -15201,8 +15204,8 @@
               <a:t>            </a:t>
             </a:r>
             <a:r>
-              <a:rPr lang="en-US" sz="3600" b="1" i="1" u="sng" dirty="0"/>
-              <a:t>RETIREMENT    ANALYSIS</a:t>
+              <a:rPr lang="en-US" sz="3600" b="1" i="1" u="sng"/>
+              <a:t>RETIREMENT  ANALYSIS</a:t>
             </a:r>
             <a:br>
               <a:rPr lang="en-US" sz="3600" b="1" i="1" u="sng" dirty="0"/>
@@ -15240,7 +15243,7 @@
         </p:spPr>
         <p:txBody>
           <a:bodyPr spcFirstLastPara="1" wrap="square" lIns="91425" tIns="45700" rIns="91425" bIns="45700" anchor="t" anchorCtr="0">
-            <a:normAutofit lnSpcReduction="10000"/>
+            <a:normAutofit/>
           </a:bodyPr>
           <a:lstStyle/>
           <a:p>
@@ -15332,7 +15335,7 @@
               <a:buNone/>
             </a:pPr>
             <a:r>
-              <a:rPr lang="en-US" sz="2000">
+              <a:rPr lang="en-US" sz="2000" dirty="0">
                 <a:solidFill>
                   <a:schemeClr val="dk2"/>
                 </a:solidFill>
@@ -15341,9 +15344,21 @@
                 <a:cs typeface="Libre Franklin"/>
                 <a:sym typeface="Libre Franklin"/>
               </a:rPr>
-              <a:t>Swapna Vuthpala</a:t>
+              <a:t>Swapna </a:t>
             </a:r>
-            <a:endParaRPr sz="2000">
+            <a:r>
+              <a:rPr lang="en-US" sz="2000" dirty="0" err="1">
+                <a:solidFill>
+                  <a:schemeClr val="dk2"/>
+                </a:solidFill>
+                <a:latin typeface="Libre Franklin"/>
+                <a:ea typeface="Libre Franklin"/>
+                <a:cs typeface="Libre Franklin"/>
+                <a:sym typeface="Libre Franklin"/>
+              </a:rPr>
+              <a:t>Vuthpala</a:t>
+            </a:r>
+            <a:endParaRPr sz="2000" dirty="0">
               <a:solidFill>
                 <a:schemeClr val="dk2"/>
               </a:solidFill>
@@ -15364,7 +15379,7 @@
               <a:buNone/>
             </a:pPr>
             <a:r>
-              <a:rPr lang="en-US" sz="2000">
+              <a:rPr lang="en-US" sz="2000" dirty="0">
                 <a:solidFill>
                   <a:schemeClr val="dk2"/>
                 </a:solidFill>
@@ -15375,7 +15390,7 @@
               </a:rPr>
               <a:t>	Braydon Nugent</a:t>
             </a:r>
-            <a:endParaRPr sz="2000">
+            <a:endParaRPr sz="2000" dirty="0">
               <a:solidFill>
                 <a:schemeClr val="dk2"/>
               </a:solidFill>
@@ -15396,7 +15411,7 @@
               <a:buNone/>
             </a:pPr>
             <a:r>
-              <a:rPr lang="en-US" sz="2000">
+              <a:rPr lang="en-US" sz="2000" dirty="0">
                 <a:solidFill>
                   <a:schemeClr val="dk2"/>
                 </a:solidFill>
@@ -15405,9 +15420,21 @@
                 <a:cs typeface="Libre Franklin"/>
                 <a:sym typeface="Libre Franklin"/>
               </a:rPr>
-              <a:t>		   Gayan DSilva</a:t>
+              <a:t>		   Gayan </a:t>
             </a:r>
-            <a:endParaRPr sz="2000">
+            <a:r>
+              <a:rPr lang="en-US" sz="2000" dirty="0" err="1">
+                <a:solidFill>
+                  <a:schemeClr val="dk2"/>
+                </a:solidFill>
+                <a:latin typeface="Libre Franklin"/>
+                <a:ea typeface="Libre Franklin"/>
+                <a:cs typeface="Libre Franklin"/>
+                <a:sym typeface="Libre Franklin"/>
+              </a:rPr>
+              <a:t>DSilva</a:t>
+            </a:r>
+            <a:endParaRPr sz="2000" dirty="0">
               <a:solidFill>
                 <a:schemeClr val="dk2"/>
               </a:solidFill>
@@ -15469,17 +15496,16 @@
           </a:bodyPr>
           <a:lstStyle/>
           <a:p>
-            <a:pPr marL="0" lvl="0" indent="0" algn="l" rtl="0">
-              <a:spcBef>
-                <a:spcPts val="0"/>
-              </a:spcBef>
-              <a:spcAft>
-                <a:spcPts val="0"/>
-              </a:spcAft>
-              <a:buNone/>
+            <a:pPr lvl="0" algn="l" rtl="0">
+              <a:spcBef>
+                <a:spcPts val="0"/>
+              </a:spcBef>
+              <a:spcAft>
+                <a:spcPts val="0"/>
+              </a:spcAft>
             </a:pPr>
             <a:r>
-              <a:rPr lang="en-US" sz="2900" b="1">
+              <a:rPr lang="en-US" sz="2900" b="1" dirty="0">
                 <a:latin typeface="Libre Franklin"/>
                 <a:ea typeface="Libre Franklin"/>
                 <a:cs typeface="Libre Franklin"/>
@@ -15487,7 +15513,7 @@
               </a:rPr>
               <a:t>Points of data</a:t>
             </a:r>
-            <a:endParaRPr sz="2900" b="1">
+            <a:endParaRPr sz="2900" b="1" dirty="0">
               <a:latin typeface="Libre Franklin"/>
               <a:ea typeface="Libre Franklin"/>
               <a:cs typeface="Libre Franklin"/>
@@ -15495,16 +15521,17 @@
             </a:endParaRPr>
           </a:p>
           <a:p>
-            <a:pPr marL="0" lvl="0" indent="0" algn="l" rtl="0">
-              <a:spcBef>
-                <a:spcPts val="0"/>
-              </a:spcBef>
-              <a:spcAft>
-                <a:spcPts val="0"/>
-              </a:spcAft>
-              <a:buNone/>
-            </a:pPr>
-            <a:endParaRPr>
+            <a:pPr marL="285750" lvl="0" indent="-285750" algn="l" rtl="0">
+              <a:spcBef>
+                <a:spcPts val="0"/>
+              </a:spcBef>
+              <a:spcAft>
+                <a:spcPts val="0"/>
+              </a:spcAft>
+              <a:buFont typeface="Arial" panose="020B0604020202020204" pitchFamily="34" charset="0"/>
+              <a:buChar char="•"/>
+            </a:pPr>
+            <a:endParaRPr dirty="0">
               <a:latin typeface="Libre Franklin"/>
               <a:ea typeface="Libre Franklin"/>
               <a:cs typeface="Libre Franklin"/>
@@ -15512,16 +15539,17 @@
             </a:endParaRPr>
           </a:p>
           <a:p>
-            <a:pPr marL="0" lvl="0" indent="0" algn="l" rtl="0">
-              <a:spcBef>
-                <a:spcPts val="0"/>
-              </a:spcBef>
-              <a:spcAft>
-                <a:spcPts val="0"/>
-              </a:spcAft>
-              <a:buNone/>
-            </a:pPr>
-            <a:endParaRPr>
+            <a:pPr marL="285750" lvl="0" indent="-285750" algn="l" rtl="0">
+              <a:spcBef>
+                <a:spcPts val="0"/>
+              </a:spcBef>
+              <a:spcAft>
+                <a:spcPts val="0"/>
+              </a:spcAft>
+              <a:buFont typeface="Arial" panose="020B0604020202020204" pitchFamily="34" charset="0"/>
+              <a:buChar char="•"/>
+            </a:pPr>
+            <a:endParaRPr dirty="0">
               <a:latin typeface="Libre Franklin"/>
               <a:ea typeface="Libre Franklin"/>
               <a:cs typeface="Libre Franklin"/>
@@ -15529,22 +15557,16 @@
             </a:endParaRPr>
           </a:p>
           <a:p>
-            <a:pPr marL="0" lvl="0" indent="0" algn="l" rtl="0">
-              <a:spcBef>
-                <a:spcPts val="0"/>
-              </a:spcBef>
-              <a:spcAft>
-                <a:spcPts val="0"/>
-              </a:spcAft>
+            <a:pPr marL="342900" lvl="1" indent="-342900">
               <a:buClr>
                 <a:schemeClr val="dk1"/>
               </a:buClr>
               <a:buSzPts val="1100"/>
-              <a:buFont typeface="Arial"/>
-              <a:buNone/>
+              <a:buFont typeface="Arial" panose="020B0604020202020204" pitchFamily="34" charset="0"/>
+              <a:buChar char="•"/>
             </a:pPr>
             <a:r>
-              <a:rPr lang="en-US" sz="1900">
+              <a:rPr lang="en-US" sz="1900" dirty="0">
                 <a:solidFill>
                   <a:schemeClr val="dk1"/>
                 </a:solidFill>
@@ -15553,9 +15575,9 @@
                 <a:cs typeface="Libre Franklin"/>
                 <a:sym typeface="Libre Franklin"/>
               </a:rPr>
-              <a:t>Our analysis of average retirement ages reveals distinct patterns across professions. Industries such as Financial and insurance services,Electricity, gas, water and waste services, and Mining exhibit a consistent trend of early retirements. </a:t>
+              <a:t>Our analysis of average retirement ages reveals distinct patterns across professions. Industries such as Financial and insurance services, electricity, gas, water and waste services, and Mining exhibit a consistent trend of early retirements. </a:t>
             </a:r>
-            <a:endParaRPr sz="1900">
+            <a:endParaRPr sz="1900" dirty="0">
               <a:solidFill>
                 <a:schemeClr val="dk1"/>
               </a:solidFill>
@@ -15566,7 +15588,7 @@
             </a:endParaRPr>
           </a:p>
           <a:p>
-            <a:pPr marL="0" lvl="0" indent="0" algn="l" rtl="0">
+            <a:pPr marL="342900" lvl="0" indent="-342900" algn="l" rtl="0">
               <a:spcBef>
                 <a:spcPts val="0"/>
               </a:spcBef>
@@ -15577,11 +15599,11 @@
                 <a:schemeClr val="dk1"/>
               </a:buClr>
               <a:buSzPts val="1100"/>
-              <a:buFont typeface="Arial"/>
-              <a:buNone/>
+              <a:buFont typeface="Arial" panose="020B0604020202020204" pitchFamily="34" charset="0"/>
+              <a:buChar char="•"/>
             </a:pPr>
             <a:r>
-              <a:rPr lang="en-US" sz="1900">
+              <a:rPr lang="en-US" sz="1900" dirty="0">
                 <a:solidFill>
                   <a:schemeClr val="dk1"/>
                 </a:solidFill>
@@ -15592,7 +15614,7 @@
               </a:rPr>
               <a:t>So, it means some of professions retire early compared to other professions. </a:t>
             </a:r>
-            <a:endParaRPr sz="1900">
+            <a:endParaRPr sz="1900" dirty="0">
               <a:solidFill>
                 <a:schemeClr val="dk1"/>
               </a:solidFill>
@@ -15603,7 +15625,7 @@
             </a:endParaRPr>
           </a:p>
           <a:p>
-            <a:pPr marL="0" lvl="0" indent="0" algn="l" rtl="0">
+            <a:pPr marL="342900" lvl="0" indent="-342900" algn="l" rtl="0">
               <a:spcBef>
                 <a:spcPts val="0"/>
               </a:spcBef>
@@ -15614,10 +15636,10 @@
                 <a:schemeClr val="dk1"/>
               </a:buClr>
               <a:buSzPts val="1100"/>
-              <a:buFont typeface="Arial"/>
-              <a:buNone/>
-            </a:pPr>
-            <a:endParaRPr sz="1900">
+              <a:buFont typeface="Arial" panose="020B0604020202020204" pitchFamily="34" charset="0"/>
+              <a:buChar char="•"/>
+            </a:pPr>
+            <a:endParaRPr sz="1900" dirty="0">
               <a:solidFill>
                 <a:schemeClr val="dk1"/>
               </a:solidFill>
@@ -15628,7 +15650,7 @@
             </a:endParaRPr>
           </a:p>
           <a:p>
-            <a:pPr marL="0" lvl="0" indent="0" algn="l" rtl="0">
+            <a:pPr marL="342900" lvl="0" indent="-342900" algn="l" rtl="0">
               <a:spcBef>
                 <a:spcPts val="0"/>
               </a:spcBef>
@@ -15639,11 +15661,11 @@
                 <a:schemeClr val="dk1"/>
               </a:buClr>
               <a:buSzPts val="1100"/>
-              <a:buFont typeface="Arial"/>
-              <a:buNone/>
+              <a:buFont typeface="Arial" panose="020B0604020202020204" pitchFamily="34" charset="0"/>
+              <a:buChar char="•"/>
             </a:pPr>
             <a:r>
-              <a:rPr lang="en-US" sz="1900">
+              <a:rPr lang="en-US" sz="1900" dirty="0">
                 <a:solidFill>
                   <a:schemeClr val="dk1"/>
                 </a:solidFill>
@@ -15652,9 +15674,33 @@
                 <a:cs typeface="Libre Franklin"/>
                 <a:sym typeface="Libre Franklin"/>
               </a:rPr>
-              <a:t>– Understanding these patterns is crucial for employers, policymakers, and individuals planning for their retirement. </a:t>
+              <a:t>Understanding these </a:t>
             </a:r>
-            <a:endParaRPr sz="1900">
+            <a:r>
+              <a:rPr lang="en-US" sz="1800" dirty="0">
+                <a:solidFill>
+                  <a:schemeClr val="dk1"/>
+                </a:solidFill>
+                <a:latin typeface="Libre Franklin"/>
+                <a:ea typeface="Libre Franklin"/>
+                <a:cs typeface="Libre Franklin"/>
+                <a:sym typeface="Libre Franklin"/>
+              </a:rPr>
+              <a:t>patterns</a:t>
+            </a:r>
+            <a:r>
+              <a:rPr lang="en-US" sz="1900" dirty="0">
+                <a:solidFill>
+                  <a:schemeClr val="dk1"/>
+                </a:solidFill>
+                <a:latin typeface="Libre Franklin"/>
+                <a:ea typeface="Libre Franklin"/>
+                <a:cs typeface="Libre Franklin"/>
+                <a:sym typeface="Libre Franklin"/>
+              </a:rPr>
+              <a:t> is crucial for employers, policymakers, and individuals planning for their retirement. </a:t>
+            </a:r>
+            <a:endParaRPr sz="1900" dirty="0">
               <a:solidFill>
                 <a:schemeClr val="dk1"/>
               </a:solidFill>
@@ -15665,7 +15711,7 @@
             </a:endParaRPr>
           </a:p>
           <a:p>
-            <a:pPr marL="0" lvl="0" indent="0" algn="l" rtl="0">
+            <a:pPr marL="342900" lvl="0" indent="-342900" algn="l" rtl="0">
               <a:spcBef>
                 <a:spcPts val="0"/>
               </a:spcBef>
@@ -15676,10 +15722,10 @@
                 <a:schemeClr val="dk1"/>
               </a:buClr>
               <a:buSzPts val="1100"/>
-              <a:buFont typeface="Arial"/>
-              <a:buNone/>
-            </a:pPr>
-            <a:endParaRPr sz="1900">
+              <a:buFont typeface="Arial" panose="020B0604020202020204" pitchFamily="34" charset="0"/>
+              <a:buChar char="•"/>
+            </a:pPr>
+            <a:endParaRPr sz="1900" dirty="0">
               <a:solidFill>
                 <a:schemeClr val="dk1"/>
               </a:solidFill>
@@ -15690,17 +15736,18 @@
             </a:endParaRPr>
           </a:p>
           <a:p>
-            <a:pPr marL="0" lvl="0" indent="0" algn="l" rtl="0">
-              <a:spcBef>
-                <a:spcPts val="0"/>
-              </a:spcBef>
-              <a:spcAft>
-                <a:spcPts val="0"/>
-              </a:spcAft>
-              <a:buNone/>
+            <a:pPr marL="342900" lvl="0" indent="-342900" algn="l" rtl="0">
+              <a:spcBef>
+                <a:spcPts val="0"/>
+              </a:spcBef>
+              <a:spcAft>
+                <a:spcPts val="0"/>
+              </a:spcAft>
+              <a:buFont typeface="Arial" panose="020B0604020202020204" pitchFamily="34" charset="0"/>
+              <a:buChar char="•"/>
             </a:pPr>
             <a:r>
-              <a:rPr lang="en-US" sz="1900">
+              <a:rPr lang="en-US" sz="1900" dirty="0">
                 <a:solidFill>
                   <a:schemeClr val="dk1"/>
                 </a:solidFill>
@@ -15709,9 +15756,9 @@
                 <a:cs typeface="Libre Franklin"/>
                 <a:sym typeface="Libre Franklin"/>
               </a:rPr>
-              <a:t>– Further research, behind these trends and affecting factors can provide information to make future decisions.</a:t>
+              <a:t>Further research, behind these trends and affecting factors can provide information to make future decisions.</a:t>
             </a:r>
-            <a:endParaRPr sz="1900">
+            <a:endParaRPr sz="1900" dirty="0">
               <a:latin typeface="Libre Franklin"/>
               <a:ea typeface="Libre Franklin"/>
               <a:cs typeface="Libre Franklin"/>
@@ -15719,16 +15766,17 @@
             </a:endParaRPr>
           </a:p>
           <a:p>
-            <a:pPr marL="0" lvl="0" indent="0" algn="l" rtl="0">
-              <a:spcBef>
-                <a:spcPts val="0"/>
-              </a:spcBef>
-              <a:spcAft>
-                <a:spcPts val="0"/>
-              </a:spcAft>
-              <a:buNone/>
-            </a:pPr>
-            <a:endParaRPr>
+            <a:pPr marL="285750" lvl="0" indent="-285750" algn="l" rtl="0">
+              <a:spcBef>
+                <a:spcPts val="0"/>
+              </a:spcBef>
+              <a:spcAft>
+                <a:spcPts val="0"/>
+              </a:spcAft>
+              <a:buFont typeface="Arial" panose="020B0604020202020204" pitchFamily="34" charset="0"/>
+              <a:buChar char="•"/>
+            </a:pPr>
+            <a:endParaRPr dirty="0">
               <a:latin typeface="Libre Franklin"/>
               <a:ea typeface="Libre Franklin"/>
               <a:cs typeface="Libre Franklin"/>
@@ -15736,196 +15784,212 @@
             </a:endParaRPr>
           </a:p>
           <a:p>
-            <a:pPr marL="0" lvl="0" indent="0" algn="l" rtl="0">
-              <a:spcBef>
-                <a:spcPts val="0"/>
-              </a:spcBef>
-              <a:spcAft>
-                <a:spcPts val="0"/>
-              </a:spcAft>
-              <a:buNone/>
-            </a:pPr>
-            <a:endParaRPr/>
-          </a:p>
-          <a:p>
-            <a:pPr marL="0" lvl="0" indent="0" algn="l" rtl="0">
-              <a:spcBef>
-                <a:spcPts val="0"/>
-              </a:spcBef>
-              <a:spcAft>
-                <a:spcPts val="0"/>
-              </a:spcAft>
-              <a:buNone/>
-            </a:pPr>
-            <a:endParaRPr/>
-          </a:p>
-          <a:p>
-            <a:pPr marL="0" lvl="0" indent="0" algn="l" rtl="0">
-              <a:spcBef>
-                <a:spcPts val="0"/>
-              </a:spcBef>
-              <a:spcAft>
-                <a:spcPts val="0"/>
-              </a:spcAft>
-              <a:buNone/>
-            </a:pPr>
-            <a:endParaRPr/>
-          </a:p>
-          <a:p>
-            <a:pPr marL="0" lvl="0" indent="0" algn="l" rtl="0">
-              <a:spcBef>
-                <a:spcPts val="0"/>
-              </a:spcBef>
-              <a:spcAft>
-                <a:spcPts val="0"/>
-              </a:spcAft>
-              <a:buNone/>
-            </a:pPr>
-            <a:endParaRPr/>
-          </a:p>
-          <a:p>
-            <a:pPr marL="0" lvl="0" indent="0" algn="l" rtl="0">
-              <a:spcBef>
-                <a:spcPts val="0"/>
-              </a:spcBef>
-              <a:spcAft>
-                <a:spcPts val="0"/>
-              </a:spcAft>
-              <a:buNone/>
-            </a:pPr>
-            <a:endParaRPr/>
-          </a:p>
-          <a:p>
-            <a:pPr marL="0" lvl="0" indent="0" algn="l" rtl="0">
-              <a:spcBef>
-                <a:spcPts val="0"/>
-              </a:spcBef>
-              <a:spcAft>
-                <a:spcPts val="0"/>
-              </a:spcAft>
-              <a:buNone/>
-            </a:pPr>
-            <a:endParaRPr/>
-          </a:p>
-          <a:p>
-            <a:pPr marL="0" lvl="0" indent="0" algn="l" rtl="0">
-              <a:spcBef>
-                <a:spcPts val="0"/>
-              </a:spcBef>
-              <a:spcAft>
-                <a:spcPts val="0"/>
-              </a:spcAft>
-              <a:buNone/>
-            </a:pPr>
-            <a:endParaRPr/>
-          </a:p>
-          <a:p>
-            <a:pPr marL="0" lvl="0" indent="0" algn="l" rtl="0">
-              <a:spcBef>
-                <a:spcPts val="0"/>
-              </a:spcBef>
-              <a:spcAft>
-                <a:spcPts val="0"/>
-              </a:spcAft>
-              <a:buNone/>
-            </a:pPr>
-            <a:endParaRPr/>
-          </a:p>
-          <a:p>
-            <a:pPr marL="0" lvl="0" indent="0" algn="l" rtl="0">
-              <a:spcBef>
-                <a:spcPts val="0"/>
-              </a:spcBef>
-              <a:spcAft>
-                <a:spcPts val="0"/>
-              </a:spcAft>
-              <a:buNone/>
-            </a:pPr>
-            <a:endParaRPr/>
-          </a:p>
-          <a:p>
-            <a:pPr marL="0" lvl="0" indent="0" algn="l" rtl="0">
-              <a:spcBef>
-                <a:spcPts val="0"/>
-              </a:spcBef>
-              <a:spcAft>
-                <a:spcPts val="0"/>
-              </a:spcAft>
-              <a:buNone/>
-            </a:pPr>
-            <a:endParaRPr/>
-          </a:p>
-          <a:p>
-            <a:pPr marL="0" lvl="0" indent="0" algn="l" rtl="0">
-              <a:spcBef>
-                <a:spcPts val="0"/>
-              </a:spcBef>
-              <a:spcAft>
-                <a:spcPts val="0"/>
-              </a:spcAft>
-              <a:buNone/>
-            </a:pPr>
-            <a:endParaRPr/>
-          </a:p>
-          <a:p>
-            <a:pPr marL="0" lvl="0" indent="0" algn="l" rtl="0">
-              <a:spcBef>
-                <a:spcPts val="0"/>
-              </a:spcBef>
-              <a:spcAft>
-                <a:spcPts val="0"/>
-              </a:spcAft>
-              <a:buNone/>
-            </a:pPr>
-            <a:endParaRPr/>
-          </a:p>
-          <a:p>
-            <a:pPr marL="0" lvl="0" indent="0" algn="l" rtl="0">
-              <a:spcBef>
-                <a:spcPts val="0"/>
-              </a:spcBef>
-              <a:spcAft>
-                <a:spcPts val="0"/>
-              </a:spcAft>
-              <a:buNone/>
-            </a:pPr>
-            <a:endParaRPr/>
-          </a:p>
-          <a:p>
-            <a:pPr marL="0" lvl="0" indent="0" algn="l" rtl="0">
-              <a:spcBef>
-                <a:spcPts val="0"/>
-              </a:spcBef>
-              <a:spcAft>
-                <a:spcPts val="0"/>
-              </a:spcAft>
-              <a:buNone/>
-            </a:pPr>
-            <a:endParaRPr/>
-          </a:p>
-          <a:p>
-            <a:pPr marL="0" lvl="0" indent="0" algn="l" rtl="0">
-              <a:spcBef>
-                <a:spcPts val="0"/>
-              </a:spcBef>
-              <a:spcAft>
-                <a:spcPts val="0"/>
-              </a:spcAft>
-              <a:buNone/>
-            </a:pPr>
-            <a:endParaRPr/>
-          </a:p>
-          <a:p>
-            <a:pPr marL="0" lvl="0" indent="0" algn="l" rtl="0">
-              <a:spcBef>
-                <a:spcPts val="0"/>
-              </a:spcBef>
-              <a:spcAft>
-                <a:spcPts val="0"/>
-              </a:spcAft>
-              <a:buNone/>
-            </a:pPr>
-            <a:endParaRPr/>
+            <a:pPr marL="285750" lvl="0" indent="-285750" algn="l" rtl="0">
+              <a:spcBef>
+                <a:spcPts val="0"/>
+              </a:spcBef>
+              <a:spcAft>
+                <a:spcPts val="0"/>
+              </a:spcAft>
+              <a:buFont typeface="Arial" panose="020B0604020202020204" pitchFamily="34" charset="0"/>
+              <a:buChar char="•"/>
+            </a:pPr>
+            <a:endParaRPr dirty="0"/>
+          </a:p>
+          <a:p>
+            <a:pPr marL="285750" lvl="0" indent="-285750" algn="l" rtl="0">
+              <a:spcBef>
+                <a:spcPts val="0"/>
+              </a:spcBef>
+              <a:spcAft>
+                <a:spcPts val="0"/>
+              </a:spcAft>
+              <a:buFont typeface="Arial" panose="020B0604020202020204" pitchFamily="34" charset="0"/>
+              <a:buChar char="•"/>
+            </a:pPr>
+            <a:endParaRPr dirty="0"/>
+          </a:p>
+          <a:p>
+            <a:pPr marL="285750" lvl="0" indent="-285750" algn="l" rtl="0">
+              <a:spcBef>
+                <a:spcPts val="0"/>
+              </a:spcBef>
+              <a:spcAft>
+                <a:spcPts val="0"/>
+              </a:spcAft>
+              <a:buFont typeface="Arial" panose="020B0604020202020204" pitchFamily="34" charset="0"/>
+              <a:buChar char="•"/>
+            </a:pPr>
+            <a:endParaRPr dirty="0"/>
+          </a:p>
+          <a:p>
+            <a:pPr marL="285750" lvl="0" indent="-285750" algn="l" rtl="0">
+              <a:spcBef>
+                <a:spcPts val="0"/>
+              </a:spcBef>
+              <a:spcAft>
+                <a:spcPts val="0"/>
+              </a:spcAft>
+              <a:buFont typeface="Arial" panose="020B0604020202020204" pitchFamily="34" charset="0"/>
+              <a:buChar char="•"/>
+            </a:pPr>
+            <a:endParaRPr dirty="0"/>
+          </a:p>
+          <a:p>
+            <a:pPr marL="285750" lvl="0" indent="-285750" algn="l" rtl="0">
+              <a:spcBef>
+                <a:spcPts val="0"/>
+              </a:spcBef>
+              <a:spcAft>
+                <a:spcPts val="0"/>
+              </a:spcAft>
+              <a:buFont typeface="Arial" panose="020B0604020202020204" pitchFamily="34" charset="0"/>
+              <a:buChar char="•"/>
+            </a:pPr>
+            <a:endParaRPr dirty="0"/>
+          </a:p>
+          <a:p>
+            <a:pPr marL="285750" lvl="0" indent="-285750" algn="l" rtl="0">
+              <a:spcBef>
+                <a:spcPts val="0"/>
+              </a:spcBef>
+              <a:spcAft>
+                <a:spcPts val="0"/>
+              </a:spcAft>
+              <a:buFont typeface="Arial" panose="020B0604020202020204" pitchFamily="34" charset="0"/>
+              <a:buChar char="•"/>
+            </a:pPr>
+            <a:endParaRPr dirty="0"/>
+          </a:p>
+          <a:p>
+            <a:pPr marL="285750" lvl="0" indent="-285750" algn="l" rtl="0">
+              <a:spcBef>
+                <a:spcPts val="0"/>
+              </a:spcBef>
+              <a:spcAft>
+                <a:spcPts val="0"/>
+              </a:spcAft>
+              <a:buFont typeface="Arial" panose="020B0604020202020204" pitchFamily="34" charset="0"/>
+              <a:buChar char="•"/>
+            </a:pPr>
+            <a:endParaRPr dirty="0"/>
+          </a:p>
+          <a:p>
+            <a:pPr marL="285750" lvl="0" indent="-285750" algn="l" rtl="0">
+              <a:spcBef>
+                <a:spcPts val="0"/>
+              </a:spcBef>
+              <a:spcAft>
+                <a:spcPts val="0"/>
+              </a:spcAft>
+              <a:buFont typeface="Arial" panose="020B0604020202020204" pitchFamily="34" charset="0"/>
+              <a:buChar char="•"/>
+            </a:pPr>
+            <a:endParaRPr dirty="0"/>
+          </a:p>
+          <a:p>
+            <a:pPr marL="285750" lvl="0" indent="-285750" algn="l" rtl="0">
+              <a:spcBef>
+                <a:spcPts val="0"/>
+              </a:spcBef>
+              <a:spcAft>
+                <a:spcPts val="0"/>
+              </a:spcAft>
+              <a:buFont typeface="Arial" panose="020B0604020202020204" pitchFamily="34" charset="0"/>
+              <a:buChar char="•"/>
+            </a:pPr>
+            <a:endParaRPr dirty="0"/>
+          </a:p>
+          <a:p>
+            <a:pPr marL="285750" lvl="0" indent="-285750" algn="l" rtl="0">
+              <a:spcBef>
+                <a:spcPts val="0"/>
+              </a:spcBef>
+              <a:spcAft>
+                <a:spcPts val="0"/>
+              </a:spcAft>
+              <a:buFont typeface="Arial" panose="020B0604020202020204" pitchFamily="34" charset="0"/>
+              <a:buChar char="•"/>
+            </a:pPr>
+            <a:endParaRPr dirty="0"/>
+          </a:p>
+          <a:p>
+            <a:pPr marL="285750" lvl="0" indent="-285750" algn="l" rtl="0">
+              <a:spcBef>
+                <a:spcPts val="0"/>
+              </a:spcBef>
+              <a:spcAft>
+                <a:spcPts val="0"/>
+              </a:spcAft>
+              <a:buFont typeface="Arial" panose="020B0604020202020204" pitchFamily="34" charset="0"/>
+              <a:buChar char="•"/>
+            </a:pPr>
+            <a:endParaRPr dirty="0"/>
+          </a:p>
+          <a:p>
+            <a:pPr marL="285750" lvl="0" indent="-285750" algn="l" rtl="0">
+              <a:spcBef>
+                <a:spcPts val="0"/>
+              </a:spcBef>
+              <a:spcAft>
+                <a:spcPts val="0"/>
+              </a:spcAft>
+              <a:buFont typeface="Arial" panose="020B0604020202020204" pitchFamily="34" charset="0"/>
+              <a:buChar char="•"/>
+            </a:pPr>
+            <a:endParaRPr dirty="0"/>
+          </a:p>
+          <a:p>
+            <a:pPr marL="285750" lvl="0" indent="-285750" algn="l" rtl="0">
+              <a:spcBef>
+                <a:spcPts val="0"/>
+              </a:spcBef>
+              <a:spcAft>
+                <a:spcPts val="0"/>
+              </a:spcAft>
+              <a:buFont typeface="Arial" panose="020B0604020202020204" pitchFamily="34" charset="0"/>
+              <a:buChar char="•"/>
+            </a:pPr>
+            <a:endParaRPr dirty="0"/>
+          </a:p>
+          <a:p>
+            <a:pPr marL="285750" lvl="0" indent="-285750" algn="l" rtl="0">
+              <a:spcBef>
+                <a:spcPts val="0"/>
+              </a:spcBef>
+              <a:spcAft>
+                <a:spcPts val="0"/>
+              </a:spcAft>
+              <a:buFont typeface="Arial" panose="020B0604020202020204" pitchFamily="34" charset="0"/>
+              <a:buChar char="•"/>
+            </a:pPr>
+            <a:endParaRPr dirty="0"/>
+          </a:p>
+          <a:p>
+            <a:pPr marL="285750" lvl="0" indent="-285750" algn="l" rtl="0">
+              <a:spcBef>
+                <a:spcPts val="0"/>
+              </a:spcBef>
+              <a:spcAft>
+                <a:spcPts val="0"/>
+              </a:spcAft>
+              <a:buFont typeface="Arial" panose="020B0604020202020204" pitchFamily="34" charset="0"/>
+              <a:buChar char="•"/>
+            </a:pPr>
+            <a:endParaRPr dirty="0"/>
+          </a:p>
+          <a:p>
+            <a:pPr marL="285750" lvl="0" indent="-285750" algn="l" rtl="0">
+              <a:spcBef>
+                <a:spcPts val="0"/>
+              </a:spcBef>
+              <a:spcAft>
+                <a:spcPts val="0"/>
+              </a:spcAft>
+              <a:buFont typeface="Arial" panose="020B0604020202020204" pitchFamily="34" charset="0"/>
+              <a:buChar char="•"/>
+            </a:pPr>
+            <a:endParaRPr dirty="0"/>
           </a:p>
         </p:txBody>
       </p:sp>
@@ -16135,14 +16199,14 @@
               <a:buNone/>
             </a:pPr>
             <a:r>
-              <a:rPr lang="en-US" sz="1300">
+              <a:rPr lang="en-US" sz="1300" dirty="0">
                 <a:solidFill>
                   <a:srgbClr val="000000"/>
                 </a:solidFill>
               </a:rPr>
               <a:t>This chart representing the ‘Weekly personal income from all sources’ illustrates a large percentage of this sample had a pre-retirement income of less than $600</a:t>
             </a:r>
-            <a:endParaRPr sz="1300">
+            <a:endParaRPr sz="1300" dirty="0">
               <a:solidFill>
                 <a:srgbClr val="000000"/>
               </a:solidFill>
@@ -16166,21 +16230,21 @@
               <a:buNone/>
             </a:pPr>
             <a:r>
-              <a:rPr lang="en-US" sz="1300">
+              <a:rPr lang="en-US" sz="1300" dirty="0">
                 <a:solidFill>
                   <a:srgbClr val="000000"/>
                 </a:solidFill>
               </a:rPr>
-              <a:t>In addition the data shows:</a:t>
+              <a:t>In addition, the data shows:</a:t>
             </a:r>
-            <a:endParaRPr sz="1300">
+            <a:endParaRPr sz="1300" dirty="0">
               <a:solidFill>
                 <a:srgbClr val="000000"/>
               </a:solidFill>
             </a:endParaRPr>
           </a:p>
           <a:p>
-            <a:pPr marL="0" lvl="0" indent="0" algn="just" rtl="0">
+            <a:pPr marL="285750" lvl="0" indent="-285750" algn="just" rtl="0">
               <a:lnSpc>
                 <a:spcPct val="84000"/>
               </a:lnSpc>
@@ -16194,24 +16258,25 @@
                 <a:srgbClr val="000000"/>
               </a:buClr>
               <a:buSzPts val="1500"/>
-              <a:buNone/>
+              <a:buFont typeface="Arial" panose="020B0604020202020204" pitchFamily="34" charset="0"/>
+              <a:buChar char="•"/>
             </a:pPr>
             <a:r>
-              <a:rPr lang="en-US" sz="1300">
+              <a:rPr lang="en-US" sz="1300" dirty="0">
                 <a:solidFill>
                   <a:srgbClr val="000000"/>
                 </a:solidFill>
               </a:rPr>
-              <a:t>-High range of people below 60 years of age retired with lower income.</a:t>
+              <a:t>High range of people below 60 years of age retired with lower income.</a:t>
             </a:r>
-            <a:endParaRPr sz="1300">
+            <a:endParaRPr sz="1300" dirty="0">
               <a:solidFill>
                 <a:srgbClr val="000000"/>
               </a:solidFill>
             </a:endParaRPr>
           </a:p>
           <a:p>
-            <a:pPr marL="0" lvl="0" indent="0" algn="just" rtl="0">
+            <a:pPr marL="285750" lvl="0" indent="-285750" algn="just" rtl="0">
               <a:lnSpc>
                 <a:spcPct val="84000"/>
               </a:lnSpc>
@@ -16225,17 +16290,18 @@
                 <a:srgbClr val="000000"/>
               </a:buClr>
               <a:buSzPts val="1500"/>
-              <a:buNone/>
+              <a:buFont typeface="Arial" panose="020B0604020202020204" pitchFamily="34" charset="0"/>
+              <a:buChar char="•"/>
             </a:pPr>
             <a:r>
-              <a:rPr lang="en-US" sz="1300">
+              <a:rPr lang="en-US" sz="1300" dirty="0">
                 <a:solidFill>
                   <a:srgbClr val="000000"/>
                 </a:solidFill>
               </a:rPr>
-              <a:t>-There are significantly less older groups (65 and older) of retirees who also appear to have a more consistent range of pre-retiring income.</a:t>
+              <a:t>There are significantly less older groups (65 and older) of retirees who also appear to have a more consistent range of pre-retiring income.</a:t>
             </a:r>
-            <a:endParaRPr sz="1300">
+            <a:endParaRPr sz="1300" dirty="0">
               <a:solidFill>
                 <a:srgbClr val="000000"/>
               </a:solidFill>
@@ -16289,14 +16355,14 @@
               <a:buNone/>
             </a:pPr>
             <a:r>
-              <a:rPr lang="en-US" sz="1300">
+              <a:rPr lang="en-US" sz="1300" dirty="0">
                 <a:solidFill>
                   <a:srgbClr val="000000"/>
                 </a:solidFill>
               </a:rPr>
               <a:t>This chart representing the ‘Weekly household income’ naturally illustrates this samples pre-retirement income more consistent and sustainable, a result of having supporting income from household members.</a:t>
             </a:r>
-            <a:endParaRPr sz="1300">
+            <a:endParaRPr sz="1300" dirty="0">
               <a:solidFill>
                 <a:srgbClr val="000000"/>
               </a:solidFill>
@@ -16319,7 +16385,7 @@
               <a:buSzPts val="1500"/>
               <a:buNone/>
             </a:pPr>
-            <a:endParaRPr sz="1300">
+            <a:endParaRPr sz="1300" dirty="0">
               <a:solidFill>
                 <a:srgbClr val="000000"/>
               </a:solidFill>
@@ -16343,21 +16409,21 @@
               <a:buNone/>
             </a:pPr>
             <a:r>
-              <a:rPr lang="en-US" sz="1300">
+              <a:rPr lang="en-US" sz="1300" dirty="0">
                 <a:solidFill>
                   <a:srgbClr val="000000"/>
                 </a:solidFill>
               </a:rPr>
-              <a:t>In addition the data shows:</a:t>
+              <a:t>In addition, the data shows:</a:t>
             </a:r>
-            <a:endParaRPr sz="1300">
+            <a:endParaRPr sz="1300" dirty="0">
               <a:solidFill>
                 <a:srgbClr val="000000"/>
               </a:solidFill>
             </a:endParaRPr>
           </a:p>
           <a:p>
-            <a:pPr marL="0" lvl="0" indent="0" algn="just" rtl="0">
+            <a:pPr marL="285750" lvl="0" indent="-285750" algn="just" rtl="0">
               <a:lnSpc>
                 <a:spcPct val="84000"/>
               </a:lnSpc>
@@ -16371,24 +16437,25 @@
                 <a:srgbClr val="000000"/>
               </a:buClr>
               <a:buSzPts val="1500"/>
-              <a:buNone/>
+              <a:buFont typeface="Arial" panose="020B0604020202020204" pitchFamily="34" charset="0"/>
+              <a:buChar char="•"/>
             </a:pPr>
             <a:r>
-              <a:rPr lang="en-US" sz="1300">
+              <a:rPr lang="en-US" sz="1300" dirty="0">
                 <a:solidFill>
                   <a:srgbClr val="000000"/>
                 </a:solidFill>
               </a:rPr>
-              <a:t>-based on the large difference in the data, the majority of retirees were reliant on supportive income.</a:t>
+              <a:t>Based on the large difference in the data, the majority of retirees were reliant on supportive income.</a:t>
             </a:r>
-            <a:endParaRPr sz="1300">
+            <a:endParaRPr sz="1300" dirty="0">
               <a:solidFill>
                 <a:srgbClr val="000000"/>
               </a:solidFill>
             </a:endParaRPr>
           </a:p>
           <a:p>
-            <a:pPr marL="0" lvl="0" indent="0" algn="just" rtl="0">
+            <a:pPr marL="285750" lvl="0" indent="-285750" algn="just" rtl="0">
               <a:lnSpc>
                 <a:spcPct val="84000"/>
               </a:lnSpc>
@@ -16402,16 +16469,17 @@
                 <a:srgbClr val="000000"/>
               </a:buClr>
               <a:buSzPts val="1500"/>
-              <a:buNone/>
-            </a:pPr>
-            <a:endParaRPr sz="1300">
+              <a:buFont typeface="Arial" panose="020B0604020202020204" pitchFamily="34" charset="0"/>
+              <a:buChar char="•"/>
+            </a:pPr>
+            <a:endParaRPr sz="1300" dirty="0">
               <a:solidFill>
                 <a:srgbClr val="000000"/>
               </a:solidFill>
             </a:endParaRPr>
           </a:p>
           <a:p>
-            <a:pPr marL="0" lvl="0" indent="0" algn="just" rtl="0">
+            <a:pPr marL="285750" lvl="0" indent="-285750" algn="just" rtl="0">
               <a:lnSpc>
                 <a:spcPct val="84000"/>
               </a:lnSpc>
@@ -16425,17 +16493,18 @@
                 <a:srgbClr val="000000"/>
               </a:buClr>
               <a:buSzPts val="1500"/>
-              <a:buNone/>
+              <a:buFont typeface="Arial" panose="020B0604020202020204" pitchFamily="34" charset="0"/>
+              <a:buChar char="•"/>
             </a:pPr>
             <a:r>
-              <a:rPr lang="en-US" sz="1300">
+              <a:rPr lang="en-US" sz="1300" dirty="0">
                 <a:solidFill>
                   <a:srgbClr val="000000"/>
                 </a:solidFill>
               </a:rPr>
-              <a:t>-The majority of individuals with supportive income were still contempt with retiring on an income as low as $400 (even less among a small selection of data).</a:t>
+              <a:t>The majority of individuals with supportive income were still contempt with retiring on an income as low as $400 (even less among a small selection of data).</a:t>
             </a:r>
-            <a:endParaRPr sz="1300">
+            <a:endParaRPr sz="1300" dirty="0">
               <a:solidFill>
                 <a:srgbClr val="000000"/>
               </a:solidFill>
@@ -16458,7 +16527,7 @@
               <a:buSzPts val="1500"/>
               <a:buNone/>
             </a:pPr>
-            <a:endParaRPr sz="1300">
+            <a:endParaRPr sz="1300" dirty="0">
               <a:solidFill>
                 <a:srgbClr val="000000"/>
               </a:solidFill>
@@ -16481,7 +16550,7 @@
               <a:buSzPts val="1500"/>
               <a:buNone/>
             </a:pPr>
-            <a:endParaRPr sz="1300">
+            <a:endParaRPr sz="1300" dirty="0">
               <a:solidFill>
                 <a:srgbClr val="000000"/>
               </a:solidFill>
@@ -16721,10 +16790,10 @@
               <a:buNone/>
             </a:pPr>
             <a:r>
-              <a:rPr lang="en-US"/>
+              <a:rPr lang="en-US" dirty="0"/>
               <a:t>Please Note!</a:t>
             </a:r>
-            <a:endParaRPr/>
+            <a:endParaRPr dirty="0"/>
           </a:p>
         </p:txBody>
       </p:sp>
@@ -16740,7 +16809,7 @@
         </p:nvSpPr>
         <p:spPr>
           <a:xfrm>
-            <a:off x="1173675" y="2108275"/>
+            <a:off x="1219200" y="1846213"/>
             <a:ext cx="9601200" cy="1260600"/>
           </a:xfrm>
           <a:prstGeom prst="rect">
@@ -16763,10 +16832,10 @@
               <a:buNone/>
             </a:pPr>
             <a:r>
-              <a:rPr lang="en-US" sz="2800"/>
+              <a:rPr lang="en-US" sz="1800" dirty="0"/>
               <a:t>The weekly individual income does represent the same sample population as the weekly household income</a:t>
             </a:r>
-            <a:endParaRPr sz="2800"/>
+            <a:endParaRPr sz="1800" dirty="0"/>
           </a:p>
         </p:txBody>
       </p:sp>
@@ -16782,7 +16851,7 @@
         </p:nvSpPr>
         <p:spPr>
           <a:xfrm>
-            <a:off x="1291825" y="4831738"/>
+            <a:off x="1219200" y="4397302"/>
             <a:ext cx="9601200" cy="1260600"/>
           </a:xfrm>
           <a:prstGeom prst="rect">
@@ -16805,10 +16874,10 @@
               <a:buNone/>
             </a:pPr>
             <a:r>
-              <a:rPr lang="en-US" sz="2800"/>
+              <a:rPr lang="en-US" sz="1800" dirty="0"/>
               <a:t>There are 366,673 retirees from this data who did not have supportive income from household members.</a:t>
             </a:r>
-            <a:endParaRPr sz="2800"/>
+            <a:endParaRPr sz="1800" dirty="0"/>
           </a:p>
         </p:txBody>
       </p:sp>
@@ -16828,8 +16897,8 @@
         </p:blipFill>
         <p:spPr>
           <a:xfrm>
-            <a:off x="947150" y="3191775"/>
-            <a:ext cx="10752427" cy="1335150"/>
+            <a:off x="1219200" y="2932076"/>
+            <a:ext cx="10378075" cy="1163674"/>
           </a:xfrm>
           <a:prstGeom prst="rect">
             <a:avLst/>
@@ -16953,14 +17022,14 @@
               <a:buNone/>
             </a:pPr>
             <a:r>
-              <a:rPr lang="en-US" sz="1300">
+              <a:rPr lang="en-US" sz="1300" dirty="0">
                 <a:solidFill>
                   <a:srgbClr val="000000"/>
                 </a:solidFill>
               </a:rPr>
               <a:t>An interesting point drawn from the data charting of pre-retirement income is despite the weekly household income having a naturally higher income, there was a significant population within the sample who were competent with an income between $400 &amp; $600.</a:t>
             </a:r>
-            <a:endParaRPr sz="1300">
+            <a:endParaRPr sz="1300" dirty="0">
               <a:solidFill>
                 <a:srgbClr val="000000"/>
               </a:solidFill>
@@ -16983,7 +17052,7 @@
               <a:buSzPts val="1500"/>
               <a:buNone/>
             </a:pPr>
-            <a:endParaRPr sz="1300">
+            <a:endParaRPr sz="1300" dirty="0">
               <a:solidFill>
                 <a:srgbClr val="000000"/>
               </a:solidFill>
@@ -17007,14 +17076,14 @@
               <a:buNone/>
             </a:pPr>
             <a:r>
-              <a:rPr lang="en-US" sz="1300">
+              <a:rPr lang="en-US" sz="1300" dirty="0">
                 <a:solidFill>
                   <a:srgbClr val="000000"/>
                 </a:solidFill>
               </a:rPr>
               <a:t>Alternatively, this data can be viewed 30% of the sample population had a pre-retirement income of less than $600 per week despite having supportive income.  </a:t>
             </a:r>
-            <a:endParaRPr sz="1300">
+            <a:endParaRPr sz="1300" dirty="0">
               <a:solidFill>
                 <a:srgbClr val="000000"/>
               </a:solidFill>
@@ -17037,7 +17106,7 @@
               <a:buSzPts val="1500"/>
               <a:buNone/>
             </a:pPr>
-            <a:endParaRPr sz="1300">
+            <a:endParaRPr sz="1300" dirty="0">
               <a:solidFill>
                 <a:srgbClr val="000000"/>
               </a:solidFill>
@@ -17061,14 +17130,14 @@
               <a:buNone/>
             </a:pPr>
             <a:r>
-              <a:rPr lang="en-US" sz="1300">
+              <a:rPr lang="en-US" sz="1300" dirty="0">
                 <a:solidFill>
                   <a:srgbClr val="000000"/>
                 </a:solidFill>
               </a:rPr>
               <a:t>From both sets of data, we can conclude that people are competent retiring with a relatively low pre-retirement income range even with supported income. We can also see a large population of the sample are retiring before the age of 60, which in principle is a capable working age, even in addition to having a lower income.</a:t>
             </a:r>
-            <a:endParaRPr sz="1300">
+            <a:endParaRPr sz="1300" dirty="0">
               <a:solidFill>
                 <a:srgbClr val="000000"/>
               </a:solidFill>
@@ -17091,7 +17160,7 @@
               <a:buSzPts val="1500"/>
               <a:buNone/>
             </a:pPr>
-            <a:endParaRPr sz="1300">
+            <a:endParaRPr sz="1300" dirty="0">
               <a:solidFill>
                 <a:srgbClr val="000000"/>
               </a:solidFill>
@@ -17115,14 +17184,14 @@
               <a:buNone/>
             </a:pPr>
             <a:r>
-              <a:rPr lang="en-US" sz="1300">
+              <a:rPr lang="en-US" sz="1300" dirty="0">
                 <a:solidFill>
                   <a:srgbClr val="000000"/>
                 </a:solidFill>
               </a:rPr>
               <a:t>This suggests there are other underlying factors that are considered for an earlier retirement.</a:t>
             </a:r>
-            <a:endParaRPr sz="1300">
+            <a:endParaRPr sz="1300" dirty="0">
               <a:solidFill>
                 <a:srgbClr val="000000"/>
               </a:solidFill>
@@ -17145,7 +17214,7 @@
               <a:buSzPts val="1500"/>
               <a:buNone/>
             </a:pPr>
-            <a:endParaRPr sz="1300">
+            <a:endParaRPr sz="1300" dirty="0">
               <a:solidFill>
                 <a:srgbClr val="000000"/>
               </a:solidFill>
@@ -17168,7 +17237,7 @@
               <a:buSzPts val="1500"/>
               <a:buNone/>
             </a:pPr>
-            <a:endParaRPr sz="1300">
+            <a:endParaRPr sz="1300" dirty="0">
               <a:solidFill>
                 <a:srgbClr val="000000"/>
               </a:solidFill>
@@ -17191,7 +17260,7 @@
               <a:buSzPts val="1500"/>
               <a:buNone/>
             </a:pPr>
-            <a:endParaRPr sz="1300">
+            <a:endParaRPr sz="1300" dirty="0">
               <a:solidFill>
                 <a:srgbClr val="000000"/>
               </a:solidFill>
@@ -17381,21 +17450,21 @@
               <a:buNone/>
             </a:pPr>
             <a:r>
-              <a:rPr lang="en-US" sz="1100">
+              <a:rPr lang="en-US" sz="1100" dirty="0">
                 <a:solidFill>
                   <a:srgbClr val="000000"/>
                 </a:solidFill>
               </a:rPr>
               <a:t>The bar chart below displays the number of retirees segmented by age groups and whether they have contributed to a superannuation scheme.</a:t>
             </a:r>
-            <a:endParaRPr sz="1100">
+            <a:endParaRPr sz="1100" dirty="0">
               <a:solidFill>
                 <a:srgbClr val="000000"/>
               </a:solidFill>
             </a:endParaRPr>
           </a:p>
           <a:p>
-            <a:pPr marL="0" lvl="0" indent="0" algn="just" rtl="0">
+            <a:pPr marL="171450" lvl="0" indent="-171450" algn="just" rtl="0">
               <a:lnSpc>
                 <a:spcPct val="115000"/>
               </a:lnSpc>
@@ -17409,24 +17478,25 @@
                 <a:schemeClr val="dk1"/>
               </a:buClr>
               <a:buSzPts val="1100"/>
-              <a:buNone/>
+              <a:buFont typeface="Arial" panose="020B0604020202020204" pitchFamily="34" charset="0"/>
+              <a:buChar char="•"/>
             </a:pPr>
             <a:r>
-              <a:rPr lang="en-US" sz="1100">
+              <a:rPr lang="en-US" sz="1100" dirty="0">
                 <a:solidFill>
                   <a:srgbClr val="000000"/>
                 </a:solidFill>
               </a:rPr>
-              <a:t>- Large number of retirees contributed to a superannuation scheme across all age groups.</a:t>
+              <a:t>Large number of retirees contributed to a superannuation scheme across all age groups.</a:t>
             </a:r>
-            <a:endParaRPr sz="1100">
+            <a:endParaRPr sz="1100" dirty="0">
               <a:solidFill>
                 <a:srgbClr val="000000"/>
               </a:solidFill>
             </a:endParaRPr>
           </a:p>
           <a:p>
-            <a:pPr marL="0" lvl="0" indent="0" algn="just" rtl="0">
+            <a:pPr marL="171450" lvl="0" indent="-171450" algn="just" rtl="0">
               <a:lnSpc>
                 <a:spcPct val="115000"/>
               </a:lnSpc>
@@ -17440,18 +17510,18 @@
                 <a:schemeClr val="dk1"/>
               </a:buClr>
               <a:buSzPts val="1100"/>
-              <a:buFont typeface="Arial"/>
-              <a:buNone/>
+              <a:buFont typeface="Arial" panose="020B0604020202020204" pitchFamily="34" charset="0"/>
+              <a:buChar char="•"/>
             </a:pPr>
             <a:r>
-              <a:rPr lang="en-US" sz="1100">
+              <a:rPr lang="en-US" sz="1100" dirty="0">
                 <a:solidFill>
                   <a:srgbClr val="000000"/>
                 </a:solidFill>
               </a:rPr>
-              <a:t>- Consistent pattern showing fewer retirees as age increases, due to the transition from employment to retirement.</a:t>
+              <a:t>Consistent pattern showing fewer retirees as age increases, due to the transition from employment to retirement.</a:t>
             </a:r>
-            <a:endParaRPr sz="1100">
+            <a:endParaRPr sz="1100" dirty="0">
               <a:solidFill>
                 <a:srgbClr val="000000"/>
               </a:solidFill>
@@ -17474,7 +17544,7 @@
               <a:buSzPts val="1500"/>
               <a:buNone/>
             </a:pPr>
-            <a:endParaRPr sz="1300">
+            <a:endParaRPr sz="1350" dirty="0">
               <a:solidFill>
                 <a:srgbClr val="000000"/>
               </a:solidFill>
@@ -17529,21 +17599,21 @@
               <a:buNone/>
             </a:pPr>
             <a:r>
-              <a:rPr lang="en-US" sz="1100">
+              <a:rPr lang="en-US" sz="1100" dirty="0">
                 <a:solidFill>
                   <a:schemeClr val="dk1"/>
                 </a:solidFill>
               </a:rPr>
               <a:t>The bar chart below shows the average age at retirement by income  and superannuation contribution status.</a:t>
             </a:r>
-            <a:endParaRPr sz="1100">
+            <a:endParaRPr sz="1100" dirty="0">
               <a:solidFill>
                 <a:schemeClr val="dk1"/>
               </a:solidFill>
             </a:endParaRPr>
           </a:p>
           <a:p>
-            <a:pPr marL="0" lvl="0" indent="0" algn="just" rtl="0">
+            <a:pPr marL="171450" lvl="0" indent="-171450" algn="just" rtl="0">
               <a:lnSpc>
                 <a:spcPct val="115000"/>
               </a:lnSpc>
@@ -17557,25 +17627,25 @@
                 <a:schemeClr val="dk1"/>
               </a:buClr>
               <a:buSzPts val="1100"/>
-              <a:buFont typeface="Arial"/>
-              <a:buNone/>
+              <a:buFont typeface="Arial" panose="020B0604020202020204" pitchFamily="34" charset="0"/>
+              <a:buChar char="•"/>
             </a:pPr>
             <a:r>
-              <a:rPr lang="en-US" sz="1100">
+              <a:rPr lang="en-US" sz="1100" dirty="0">
                 <a:solidFill>
                   <a:schemeClr val="dk1"/>
                 </a:solidFill>
               </a:rPr>
-              <a:t>- Average retirement age across all income categories ranges closely between 50 and 60 years.</a:t>
+              <a:t>Average retirement age across all income categories ranges closely between 50 and 60 years.</a:t>
             </a:r>
-            <a:endParaRPr sz="1100">
+            <a:endParaRPr sz="1100" dirty="0">
               <a:solidFill>
                 <a:schemeClr val="dk1"/>
               </a:solidFill>
             </a:endParaRPr>
           </a:p>
           <a:p>
-            <a:pPr marL="0" lvl="0" indent="0" algn="just" rtl="0">
+            <a:pPr marL="171450" lvl="0" indent="-171450" algn="just" rtl="0">
               <a:lnSpc>
                 <a:spcPct val="115000"/>
               </a:lnSpc>
@@ -17589,25 +17659,25 @@
                 <a:schemeClr val="dk1"/>
               </a:buClr>
               <a:buSzPts val="1100"/>
-              <a:buFont typeface="Arial"/>
-              <a:buNone/>
+              <a:buFont typeface="Arial" panose="020B0604020202020204" pitchFamily="34" charset="0"/>
+              <a:buChar char="•"/>
             </a:pPr>
             <a:r>
-              <a:rPr lang="en-US" sz="1100">
+              <a:rPr lang="en-US" sz="1100" dirty="0">
                 <a:solidFill>
                   <a:schemeClr val="dk1"/>
                 </a:solidFill>
               </a:rPr>
-              <a:t>- Average retirement age of individuals who contributed to superannuation is slightly higher</a:t>
+              <a:t>Average retirement age of individuals who contributed to superannuation is slightly higher</a:t>
             </a:r>
-            <a:endParaRPr sz="1100">
+            <a:endParaRPr sz="1100" dirty="0">
               <a:solidFill>
                 <a:schemeClr val="dk1"/>
               </a:solidFill>
             </a:endParaRPr>
           </a:p>
           <a:p>
-            <a:pPr marL="0" lvl="0" indent="0" algn="just" rtl="0">
+            <a:pPr marL="171450" lvl="0" indent="-171450" algn="just" rtl="0">
               <a:lnSpc>
                 <a:spcPct val="115000"/>
               </a:lnSpc>
@@ -17621,26 +17691,18 @@
                 <a:schemeClr val="dk1"/>
               </a:buClr>
               <a:buSzPts val="1100"/>
-              <a:buFont typeface="Arial"/>
-              <a:buNone/>
+              <a:buFont typeface="Arial" panose="020B0604020202020204" pitchFamily="34" charset="0"/>
+              <a:buChar char="•"/>
             </a:pPr>
             <a:r>
-              <a:rPr lang="en-US" sz="1100">
-                <a:solidFill>
-                  <a:schemeClr val="dk1"/>
-                </a:solidFill>
-              </a:rPr>
-              <a:t>- </a:t>
-            </a:r>
-            <a:r>
-              <a:rPr lang="en-US" sz="1100">
+              <a:rPr lang="en-US" sz="1100" dirty="0">
                 <a:solidFill>
                   <a:srgbClr val="191B0E"/>
                 </a:solidFill>
               </a:rPr>
               <a:t>Overall, there is a trend that those with no or lower income tend to retire earlier compared to those with higher income, regardless of their superannuation contribution status.</a:t>
             </a:r>
-            <a:endParaRPr sz="1100">
+            <a:endParaRPr sz="1100" dirty="0">
               <a:solidFill>
                 <a:srgbClr val="191B0E"/>
               </a:solidFill>
@@ -17663,7 +17725,7 @@
               <a:buSzPts val="1500"/>
               <a:buNone/>
             </a:pPr>
-            <a:endParaRPr sz="1300">
+            <a:endParaRPr sz="1100" dirty="0">
               <a:solidFill>
                 <a:srgbClr val="000000"/>
               </a:solidFill>
@@ -17686,7 +17748,7 @@
               <a:buSzPts val="1500"/>
               <a:buNone/>
             </a:pPr>
-            <a:endParaRPr sz="1500">
+            <a:endParaRPr sz="1100" dirty="0">
               <a:solidFill>
                 <a:srgbClr val="000000"/>
               </a:solidFill>
@@ -17709,7 +17771,7 @@
               <a:buSzPts val="1500"/>
               <a:buNone/>
             </a:pPr>
-            <a:endParaRPr sz="1500">
+            <a:endParaRPr sz="1100" dirty="0">
               <a:solidFill>
                 <a:srgbClr val="000000"/>
               </a:solidFill>
@@ -17899,21 +17961,21 @@
               <a:buNone/>
             </a:pPr>
             <a:r>
-              <a:rPr lang="en-US" sz="1100">
+              <a:rPr lang="en-US" sz="1100" dirty="0">
                 <a:solidFill>
                   <a:schemeClr val="dk1"/>
                 </a:solidFill>
               </a:rPr>
               <a:t>The ‘Average Retirement Age by Income Category for Different Health Conditions’, summarises -</a:t>
             </a:r>
-            <a:endParaRPr sz="1100">
+            <a:endParaRPr sz="1100" dirty="0">
               <a:solidFill>
                 <a:srgbClr val="000000"/>
               </a:solidFill>
             </a:endParaRPr>
           </a:p>
           <a:p>
-            <a:pPr marL="0" lvl="0" indent="0" algn="just" rtl="0">
+            <a:pPr marL="171450" lvl="0" indent="-171450" algn="just" rtl="0">
               <a:lnSpc>
                 <a:spcPct val="100000"/>
               </a:lnSpc>
@@ -17927,32 +17989,25 @@
                 <a:srgbClr val="000000"/>
               </a:buClr>
               <a:buSzPts val="1500"/>
-              <a:buNone/>
+              <a:buFont typeface="Arial" panose="020B0604020202020204" pitchFamily="34" charset="0"/>
+              <a:buChar char="•"/>
             </a:pPr>
             <a:r>
-              <a:rPr lang="en-US" sz="1100">
-                <a:solidFill>
-                  <a:srgbClr val="000000"/>
-                </a:solidFill>
-              </a:rPr>
-              <a:t>- </a:t>
-            </a:r>
-            <a:r>
-              <a:rPr lang="en-US" sz="1100">
+              <a:rPr lang="en-US" sz="1100" dirty="0">
                 <a:solidFill>
                   <a:schemeClr val="dk1"/>
                 </a:solidFill>
               </a:rPr>
               <a:t>The retirement age tends to be slightly lower across most income categories for people with a Long-Term Health Condition, indicating that health issues might lead to earlier retirement. This trend is particularly noticeable in lower to middle-income brackets.</a:t>
             </a:r>
-            <a:endParaRPr sz="1100">
+            <a:endParaRPr sz="1100" dirty="0">
               <a:solidFill>
                 <a:schemeClr val="dk1"/>
               </a:solidFill>
             </a:endParaRPr>
           </a:p>
           <a:p>
-            <a:pPr marL="0" lvl="0" indent="0" algn="just" rtl="0">
+            <a:pPr marL="171450" lvl="0" indent="-171450" algn="just" rtl="0">
               <a:lnSpc>
                 <a:spcPct val="100000"/>
               </a:lnSpc>
@@ -17966,16 +18021,17 @@
                 <a:srgbClr val="000000"/>
               </a:buClr>
               <a:buSzPts val="1500"/>
-              <a:buNone/>
-            </a:pPr>
-            <a:endParaRPr sz="1100">
+              <a:buFont typeface="Arial" panose="020B0604020202020204" pitchFamily="34" charset="0"/>
+              <a:buChar char="•"/>
+            </a:pPr>
+            <a:endParaRPr sz="1100" dirty="0">
               <a:solidFill>
                 <a:schemeClr val="dk1"/>
               </a:solidFill>
             </a:endParaRPr>
           </a:p>
           <a:p>
-            <a:pPr marL="0" lvl="0" indent="0" algn="just" rtl="0">
+            <a:pPr marL="171450" lvl="0" indent="-171450" algn="just" rtl="0">
               <a:lnSpc>
                 <a:spcPct val="107916"/>
               </a:lnSpc>
@@ -17989,17 +18045,18 @@
                 <a:schemeClr val="dk1"/>
               </a:buClr>
               <a:buSzPts val="1100"/>
-              <a:buNone/>
+              <a:buFont typeface="Arial" panose="020B0604020202020204" pitchFamily="34" charset="0"/>
+              <a:buChar char="•"/>
             </a:pPr>
             <a:r>
-              <a:rPr lang="en-US" sz="1100">
+              <a:rPr lang="en-US" sz="1100" dirty="0">
                 <a:solidFill>
                   <a:schemeClr val="dk1"/>
                 </a:solidFill>
               </a:rPr>
-              <a:t>- The retirement age tends to be higher for people without a Long-Term Health Condition especially in higher income categories, implying that better health allows for extended working years, particularly among those with greater financial means.</a:t>
+              <a:t>The retirement age tends to be higher for people without a Long-Term Health Condition especially in higher income categories, implying that better health allows for extended working years, particularly among those with greater financial means.</a:t>
             </a:r>
-            <a:endParaRPr sz="1100">
+            <a:endParaRPr sz="1100" dirty="0">
               <a:solidFill>
                 <a:schemeClr val="dk1"/>
               </a:solidFill>
@@ -18022,7 +18079,7 @@
               <a:buSzPts val="1500"/>
               <a:buNone/>
             </a:pPr>
-            <a:endParaRPr sz="1100">
+            <a:endParaRPr sz="1100" dirty="0">
               <a:solidFill>
                 <a:srgbClr val="000000"/>
               </a:solidFill>
@@ -18042,8 +18099,8 @@
         </p:nvSpPr>
         <p:spPr>
           <a:xfrm>
-            <a:off x="1009388" y="879263"/>
-            <a:ext cx="5256900" cy="2007900"/>
+            <a:off x="1009388" y="879262"/>
+            <a:ext cx="5256900" cy="2141725"/>
           </a:xfrm>
           <a:prstGeom prst="rect">
             <a:avLst/>
@@ -18074,21 +18131,21 @@
               <a:buNone/>
             </a:pPr>
             <a:r>
-              <a:rPr lang="en-US" sz="1100">
+              <a:rPr lang="en-US" sz="1100" dirty="0">
                 <a:solidFill>
                   <a:schemeClr val="dk1"/>
                 </a:solidFill>
               </a:rPr>
               <a:t>The bar chart below depicts the distribution of retirees by age group, with a distinction between those with and without long-term health conditions.</a:t>
             </a:r>
-            <a:endParaRPr sz="1100">
+            <a:endParaRPr sz="1100" dirty="0">
               <a:solidFill>
                 <a:schemeClr val="dk1"/>
               </a:solidFill>
             </a:endParaRPr>
           </a:p>
           <a:p>
-            <a:pPr marL="0" lvl="0" indent="0" algn="just" rtl="0">
+            <a:pPr marL="171450" lvl="0" indent="-171450" algn="just" rtl="0">
               <a:spcBef>
                 <a:spcPts val="600"/>
               </a:spcBef>
@@ -18099,24 +18156,25 @@
                 <a:schemeClr val="dk1"/>
               </a:buClr>
               <a:buSzPts val="1100"/>
-              <a:buNone/>
+              <a:buFont typeface="Arial" panose="020B0604020202020204" pitchFamily="34" charset="0"/>
+              <a:buChar char="•"/>
             </a:pPr>
             <a:r>
-              <a:rPr lang="en-US" sz="1100">
+              <a:rPr lang="en-US" sz="1100" dirty="0">
                 <a:solidFill>
                   <a:schemeClr val="dk1"/>
                 </a:solidFill>
               </a:rPr>
-              <a:t>- The age group ‘54 years and under’ has the highest number of retirees with a long-term health condition.</a:t>
+              <a:t>The age group ‘54 years and under’ has the highest number of retirees with a long-term health condition.</a:t>
             </a:r>
-            <a:endParaRPr sz="1100">
+            <a:endParaRPr sz="1100" dirty="0">
               <a:solidFill>
                 <a:schemeClr val="dk1"/>
               </a:solidFill>
             </a:endParaRPr>
           </a:p>
           <a:p>
-            <a:pPr marL="0" lvl="0" indent="0" algn="just" rtl="0">
+            <a:pPr marL="171450" lvl="0" indent="-171450" algn="just" rtl="0">
               <a:spcBef>
                 <a:spcPts val="600"/>
               </a:spcBef>
@@ -18127,25 +18185,25 @@
                 <a:schemeClr val="dk1"/>
               </a:buClr>
               <a:buSzPts val="1100"/>
-              <a:buFont typeface="Arial"/>
-              <a:buNone/>
+              <a:buFont typeface="Arial" panose="020B0604020202020204" pitchFamily="34" charset="0"/>
+              <a:buChar char="•"/>
             </a:pPr>
             <a:r>
-              <a:rPr lang="en-US" sz="1100">
+              <a:rPr lang="en-US" sz="1100" dirty="0">
                 <a:solidFill>
                   <a:schemeClr val="dk1"/>
                 </a:solidFill>
               </a:rPr>
-              <a:t>- For those without a long-term health condition, the numbers are consistently lower across all age groups when compared to those with a condition.</a:t>
+              <a:t>For those without a long-term health condition, the numbers are consistently lower across all age groups when compared to those with a condition.</a:t>
             </a:r>
-            <a:endParaRPr sz="1100">
+            <a:endParaRPr sz="1100" dirty="0">
               <a:solidFill>
                 <a:schemeClr val="dk1"/>
               </a:solidFill>
             </a:endParaRPr>
           </a:p>
           <a:p>
-            <a:pPr marL="0" lvl="0" indent="0" algn="just" rtl="0">
+            <a:pPr marL="171450" lvl="0" indent="-171450" algn="just" rtl="0">
               <a:spcBef>
                 <a:spcPts val="600"/>
               </a:spcBef>
@@ -18156,18 +18214,18 @@
                 <a:schemeClr val="dk1"/>
               </a:buClr>
               <a:buSzPts val="1100"/>
-              <a:buFont typeface="Arial"/>
-              <a:buNone/>
+              <a:buFont typeface="Arial" panose="020B0604020202020204" pitchFamily="34" charset="0"/>
+              <a:buChar char="•"/>
             </a:pPr>
             <a:r>
-              <a:rPr lang="en-US" sz="1100">
+              <a:rPr lang="en-US" sz="1100" dirty="0">
                 <a:solidFill>
                   <a:schemeClr val="dk1"/>
                 </a:solidFill>
               </a:rPr>
-              <a:t>- This suggests that health issues are a significant factor in the decision to retire in the given population of retirees.</a:t>
+              <a:t>This suggests that health issues are a significant factor in the decision to retire in the given population of retirees.</a:t>
             </a:r>
-            <a:endParaRPr sz="1100">
+            <a:endParaRPr sz="1100" dirty="0">
               <a:solidFill>
                 <a:schemeClr val="dk1"/>
               </a:solidFill>
@@ -18190,7 +18248,7 @@
               <a:buSzPts val="1500"/>
               <a:buNone/>
             </a:pPr>
-            <a:endParaRPr sz="1300">
+            <a:endParaRPr sz="1300" dirty="0">
               <a:solidFill>
                 <a:srgbClr val="000000"/>
               </a:solidFill>
@@ -18388,21 +18446,21 @@
               <a:buNone/>
             </a:pPr>
             <a:r>
-              <a:rPr lang="en-US" sz="1100">
+              <a:rPr lang="en-US" sz="1100" dirty="0">
                 <a:solidFill>
                   <a:srgbClr val="000000"/>
                 </a:solidFill>
               </a:rPr>
               <a:t>The bar chart below presents the number of retirees categorized by their age groups and reasons for leaving their last job.</a:t>
             </a:r>
-            <a:endParaRPr sz="1100">
+            <a:endParaRPr sz="1100" dirty="0">
               <a:solidFill>
                 <a:srgbClr val="000000"/>
               </a:solidFill>
             </a:endParaRPr>
           </a:p>
           <a:p>
-            <a:pPr marL="0" lvl="0" indent="0" algn="just" rtl="0">
+            <a:pPr marL="171450" lvl="0" indent="-171450" algn="just" rtl="0">
               <a:lnSpc>
                 <a:spcPct val="115000"/>
               </a:lnSpc>
@@ -18416,25 +18474,25 @@
                 <a:schemeClr val="dk1"/>
               </a:buClr>
               <a:buSzPts val="1100"/>
-              <a:buFont typeface="Arial"/>
-              <a:buNone/>
+              <a:buFont typeface="Arial" panose="020B0604020202020204" pitchFamily="34" charset="0"/>
+              <a:buChar char="•"/>
             </a:pPr>
             <a:r>
-              <a:rPr lang="en-US" sz="1100">
+              <a:rPr lang="en-US" sz="1100" dirty="0">
                 <a:solidFill>
                   <a:srgbClr val="000000"/>
                 </a:solidFill>
               </a:rPr>
-              <a:t>- Majority of retirees in all age groups left their last job to retire, the age group ‘60-64 years’ having the highest number of retirees.</a:t>
+              <a:t>Majority of retirees in all age groups left their last job to retire, the age group ‘60-64 years’ having the highest number of retirees.</a:t>
             </a:r>
-            <a:endParaRPr sz="1100">
+            <a:endParaRPr sz="1100" dirty="0">
               <a:solidFill>
                 <a:srgbClr val="000000"/>
               </a:solidFill>
             </a:endParaRPr>
           </a:p>
           <a:p>
-            <a:pPr marL="0" lvl="0" indent="0" algn="just" rtl="0">
+            <a:pPr marL="171450" lvl="0" indent="-171450" algn="just" rtl="0">
               <a:lnSpc>
                 <a:spcPct val="115000"/>
               </a:lnSpc>
@@ -18448,25 +18506,25 @@
                 <a:schemeClr val="dk1"/>
               </a:buClr>
               <a:buSzPts val="1100"/>
-              <a:buFont typeface="Arial"/>
-              <a:buNone/>
+              <a:buFont typeface="Arial" panose="020B0604020202020204" pitchFamily="34" charset="0"/>
+              <a:buChar char="•"/>
             </a:pPr>
             <a:r>
-              <a:rPr lang="en-US" sz="1100">
+              <a:rPr lang="en-US" sz="1100" dirty="0">
                 <a:solidFill>
                   <a:srgbClr val="000000"/>
                 </a:solidFill>
               </a:rPr>
-              <a:t>- There is a significant number of retirements due to illness or injury in the ‘under 54 years’ age group which decreases with increasing age.</a:t>
+              <a:t>There is a significant number of retirements due to illness or injury in the ‘under 54 years’ age group which decreases with increasing age.</a:t>
             </a:r>
-            <a:endParaRPr sz="1100">
+            <a:endParaRPr sz="1100" dirty="0">
               <a:solidFill>
                 <a:srgbClr val="000000"/>
               </a:solidFill>
             </a:endParaRPr>
           </a:p>
           <a:p>
-            <a:pPr marL="0" lvl="0" indent="0" algn="just" rtl="0">
+            <a:pPr marL="171450" lvl="0" indent="-171450" algn="just" rtl="0">
               <a:lnSpc>
                 <a:spcPct val="115000"/>
               </a:lnSpc>
@@ -18480,18 +18538,18 @@
                 <a:schemeClr val="dk1"/>
               </a:buClr>
               <a:buSzPts val="1100"/>
-              <a:buFont typeface="Arial"/>
-              <a:buNone/>
+              <a:buFont typeface="Arial" panose="020B0604020202020204" pitchFamily="34" charset="0"/>
+              <a:buChar char="•"/>
             </a:pPr>
             <a:r>
-              <a:rPr lang="en-US" sz="1100">
+              <a:rPr lang="en-US" sz="1100" dirty="0">
                 <a:solidFill>
                   <a:srgbClr val="000000"/>
                 </a:solidFill>
               </a:rPr>
-              <a:t>- The trend shows that as age increases, the number of retirees decreases across all reasons.</a:t>
+              <a:t>The trend shows that as age increases, the number of retirees decreases across all reasons.</a:t>
             </a:r>
-            <a:endParaRPr sz="1100">
+            <a:endParaRPr sz="1100" dirty="0">
               <a:solidFill>
                 <a:srgbClr val="000000"/>
               </a:solidFill>
@@ -18514,7 +18572,7 @@
               <a:buSzPts val="1500"/>
               <a:buNone/>
             </a:pPr>
-            <a:endParaRPr sz="1300">
+            <a:endParaRPr sz="1300" dirty="0">
               <a:solidFill>
                 <a:srgbClr val="000000"/>
               </a:solidFill>
@@ -18537,7 +18595,7 @@
               <a:buSzPts val="1500"/>
               <a:buNone/>
             </a:pPr>
-            <a:endParaRPr sz="1500">
+            <a:endParaRPr sz="1500" dirty="0">
               <a:solidFill>
                 <a:srgbClr val="000000"/>
               </a:solidFill>
@@ -18560,7 +18618,7 @@
               <a:buSzPts val="1800"/>
               <a:buNone/>
             </a:pPr>
-            <a:endParaRPr sz="1800">
+            <a:endParaRPr sz="1800" dirty="0">
               <a:latin typeface="Calibri"/>
               <a:ea typeface="Calibri"/>
               <a:cs typeface="Calibri"/>
@@ -18616,21 +18674,21 @@
               <a:buNone/>
             </a:pPr>
             <a:r>
-              <a:rPr lang="en-US" sz="1100">
+              <a:rPr lang="en-US" sz="1100" dirty="0">
                 <a:solidFill>
                   <a:srgbClr val="000000"/>
                 </a:solidFill>
               </a:rPr>
               <a:t>Comparison of average retirement age with weekly household income and reasons for leaving the last job indicate that –</a:t>
             </a:r>
-            <a:endParaRPr sz="1100">
+            <a:endParaRPr sz="1100" dirty="0">
               <a:solidFill>
                 <a:srgbClr val="000000"/>
               </a:solidFill>
             </a:endParaRPr>
           </a:p>
           <a:p>
-            <a:pPr marL="0" lvl="0" indent="0" algn="just" rtl="0">
+            <a:pPr marL="171450" lvl="0" indent="-171450" algn="just" rtl="0">
               <a:lnSpc>
                 <a:spcPct val="115000"/>
               </a:lnSpc>
@@ -18644,25 +18702,25 @@
                 <a:schemeClr val="dk1"/>
               </a:buClr>
               <a:buSzPts val="1100"/>
-              <a:buFont typeface="Arial"/>
-              <a:buNone/>
+              <a:buFont typeface="Arial" panose="020B0604020202020204" pitchFamily="34" charset="0"/>
+              <a:buChar char="•"/>
             </a:pPr>
             <a:r>
-              <a:rPr lang="en-US" sz="1100">
+              <a:rPr lang="en-US" sz="1100" dirty="0">
                 <a:solidFill>
                   <a:srgbClr val="000000"/>
                 </a:solidFill>
               </a:rPr>
-              <a:t>- The average retirement age across all income categories appears to be consistent at the near 60-year mark, suggesting that income may not drastically affect the decision of when to retire.</a:t>
+              <a:t>The average retirement age across all income categories appears to be consistent at the near 60-year mark, suggesting that income may not drastically affect the decision of when to retire.</a:t>
             </a:r>
-            <a:endParaRPr sz="1100">
+            <a:endParaRPr sz="1100" dirty="0">
               <a:solidFill>
                 <a:srgbClr val="000000"/>
               </a:solidFill>
             </a:endParaRPr>
           </a:p>
           <a:p>
-            <a:pPr marL="0" lvl="0" indent="0" algn="just" rtl="0">
+            <a:pPr marL="171450" lvl="0" indent="-171450" algn="just" rtl="0">
               <a:lnSpc>
                 <a:spcPct val="115000"/>
               </a:lnSpc>
@@ -18676,25 +18734,25 @@
                 <a:schemeClr val="dk1"/>
               </a:buClr>
               <a:buSzPts val="1100"/>
-              <a:buFont typeface="Arial"/>
-              <a:buNone/>
+              <a:buFont typeface="Arial" panose="020B0604020202020204" pitchFamily="34" charset="0"/>
+              <a:buChar char="•"/>
             </a:pPr>
             <a:r>
-              <a:rPr lang="en-US" sz="1100">
+              <a:rPr lang="en-US" sz="1100" dirty="0">
                 <a:solidFill>
                   <a:srgbClr val="000000"/>
                 </a:solidFill>
               </a:rPr>
-              <a:t>- Individuals who left their last job due to illness or injury tend to retire slightly earlier when compared to those who left for other reasons.</a:t>
+              <a:t>Individuals who left their last job due to illness or injury tend to retire slightly earlier when compared to those who left for other reasons.</a:t>
             </a:r>
-            <a:endParaRPr sz="1100">
+            <a:endParaRPr sz="1100" dirty="0">
               <a:solidFill>
                 <a:srgbClr val="000000"/>
               </a:solidFill>
             </a:endParaRPr>
           </a:p>
           <a:p>
-            <a:pPr marL="0" lvl="0" indent="0" algn="just" rtl="0">
+            <a:pPr marL="171450" lvl="0" indent="-171450" algn="just" rtl="0">
               <a:lnSpc>
                 <a:spcPct val="115000"/>
               </a:lnSpc>
@@ -18708,18 +18766,18 @@
                 <a:schemeClr val="dk1"/>
               </a:buClr>
               <a:buSzPts val="1100"/>
-              <a:buFont typeface="Arial"/>
-              <a:buNone/>
+              <a:buFont typeface="Arial" panose="020B0604020202020204" pitchFamily="34" charset="0"/>
+              <a:buChar char="•"/>
             </a:pPr>
             <a:r>
-              <a:rPr lang="en-US" sz="1100">
+              <a:rPr lang="en-US" sz="1100" dirty="0">
                 <a:solidFill>
                   <a:srgbClr val="000000"/>
                 </a:solidFill>
               </a:rPr>
-              <a:t>- The consistency of retirement age across income categories may indicate that other factors such as health, job satisfaction, and personal readiness play a significant role in the decision to retire than income alone.</a:t>
+              <a:t>The consistency of retirement age across income categories may indicate that other factors such as health, job satisfaction, and personal readiness play a significant role in the decision to retire than income alone.</a:t>
             </a:r>
-            <a:endParaRPr sz="1100">
+            <a:endParaRPr sz="1100" dirty="0">
               <a:solidFill>
                 <a:srgbClr val="000000"/>
               </a:solidFill>
@@ -18742,7 +18800,7 @@
               <a:buSzPts val="1500"/>
               <a:buNone/>
             </a:pPr>
-            <a:endParaRPr sz="1500">
+            <a:endParaRPr sz="1500" dirty="0">
               <a:solidFill>
                 <a:srgbClr val="000000"/>
               </a:solidFill>
@@ -18884,7 +18942,7 @@
         </p:nvSpPr>
         <p:spPr>
           <a:xfrm>
-            <a:off x="1306900" y="2350675"/>
+            <a:off x="886375" y="1285875"/>
             <a:ext cx="4443900" cy="3968100"/>
           </a:xfrm>
           <a:prstGeom prst="rect">
@@ -18893,139 +18951,87 @@
         </p:spPr>
         <p:txBody>
           <a:bodyPr spcFirstLastPara="1" wrap="square" lIns="91425" tIns="45700" rIns="91425" bIns="45700" anchor="t" anchorCtr="0">
-            <a:normAutofit fontScale="85000" lnSpcReduction="20000"/>
+            <a:noAutofit/>
           </a:bodyPr>
           <a:lstStyle/>
           <a:p>
-            <a:pPr marL="0" lvl="0" indent="0" algn="l" rtl="0">
-              <a:spcBef>
-                <a:spcPts val="1000"/>
-              </a:spcBef>
-              <a:spcAft>
-                <a:spcPts val="0"/>
-              </a:spcAft>
-              <a:buNone/>
-            </a:pPr>
+            <a:pPr marL="342900" indent="-342900"/>
             <a:r>
-              <a:rPr lang="en-US"/>
-              <a:t>-Early retirement </a:t>
+              <a:rPr lang="en-US" sz="1800" dirty="0"/>
+              <a:t>Early retirement </a:t>
             </a:r>
             <a:r>
-              <a:rPr lang="en-US" i="1"/>
+              <a:rPr lang="en-US" sz="1800" i="1" dirty="0"/>
               <a:t>is</a:t>
             </a:r>
             <a:r>
-              <a:rPr lang="en-US"/>
+              <a:rPr lang="en-US" sz="1800" dirty="0"/>
               <a:t> </a:t>
             </a:r>
             <a:r>
-              <a:rPr lang="en-US" i="1"/>
+              <a:rPr lang="en-US" sz="1800" i="1" dirty="0"/>
               <a:t>not </a:t>
             </a:r>
             <a:r>
-              <a:rPr lang="en-US"/>
+              <a:rPr lang="en-US" sz="1800" dirty="0"/>
               <a:t>determined by pre-retirement income, nor via superannuation contributions.</a:t>
             </a:r>
-            <a:endParaRPr/>
-          </a:p>
-          <a:p>
-            <a:pPr marL="0" lvl="0" indent="0" algn="l" rtl="0">
-              <a:spcBef>
-                <a:spcPts val="1000"/>
-              </a:spcBef>
-              <a:spcAft>
-                <a:spcPts val="0"/>
-              </a:spcAft>
-              <a:buNone/>
-            </a:pPr>
-            <a:endParaRPr/>
-          </a:p>
-          <a:p>
-            <a:pPr marL="0" lvl="0" indent="0" algn="l" rtl="0">
-              <a:spcBef>
-                <a:spcPts val="1000"/>
-              </a:spcBef>
-              <a:spcAft>
-                <a:spcPts val="0"/>
-              </a:spcAft>
-              <a:buNone/>
-            </a:pPr>
+            <a:endParaRPr sz="1800" dirty="0"/>
+          </a:p>
+          <a:p>
+            <a:pPr marL="342900" indent="-342900"/>
+            <a:endParaRPr sz="1800" dirty="0"/>
+          </a:p>
+          <a:p>
+            <a:pPr marL="342900" indent="-342900"/>
             <a:r>
-              <a:rPr lang="en-US"/>
-              <a:t>-Early retirement </a:t>
+              <a:rPr lang="en-US" sz="1800" dirty="0"/>
+              <a:t>Early retirement </a:t>
             </a:r>
             <a:r>
-              <a:rPr lang="en-US" i="1"/>
+              <a:rPr lang="en-US" sz="1800" i="1" dirty="0"/>
               <a:t>is </a:t>
             </a:r>
             <a:r>
-              <a:rPr lang="en-US"/>
+              <a:rPr lang="en-US" sz="1800" dirty="0"/>
               <a:t>however proven to be indicative via the field of work. </a:t>
             </a:r>
-            <a:endParaRPr/>
-          </a:p>
-          <a:p>
-            <a:pPr marL="0" lvl="0" indent="0" algn="l" rtl="0">
-              <a:spcBef>
-                <a:spcPts val="1000"/>
-              </a:spcBef>
-              <a:spcAft>
-                <a:spcPts val="0"/>
-              </a:spcAft>
-              <a:buNone/>
-            </a:pPr>
-            <a:endParaRPr/>
-          </a:p>
-          <a:p>
-            <a:pPr marL="0" lvl="0" indent="0" algn="l" rtl="0">
-              <a:spcBef>
-                <a:spcPts val="1000"/>
-              </a:spcBef>
-              <a:spcAft>
-                <a:spcPts val="0"/>
-              </a:spcAft>
-              <a:buNone/>
-            </a:pPr>
+            <a:endParaRPr sz="1800" dirty="0"/>
+          </a:p>
+          <a:p>
+            <a:pPr marL="342900" indent="-342900"/>
+            <a:endParaRPr sz="1800" dirty="0"/>
+          </a:p>
+          <a:p>
+            <a:pPr marL="342900" indent="-342900"/>
             <a:r>
-              <a:rPr lang="en-US"/>
-              <a:t>-Labour induced jobs such as utility services &amp; mining have significantly lower retirement ages.</a:t>
+              <a:rPr lang="en-US" sz="1800" dirty="0"/>
+              <a:t>Labor induced jobs such as utility services &amp; mining have significantly lower retirement ages.</a:t>
             </a:r>
             <a:br>
-              <a:rPr lang="en-US"/>
+              <a:rPr lang="en-US" sz="1800" dirty="0"/>
             </a:br>
             <a:r>
-              <a:rPr lang="en-US"/>
+              <a:rPr lang="en-US" sz="1800" dirty="0"/>
               <a:t>(Supported by the fact health conditions play a profound factor in early retirement).</a:t>
             </a:r>
-            <a:endParaRPr/>
-          </a:p>
-          <a:p>
-            <a:pPr marL="0" lvl="0" indent="0" algn="l" rtl="0">
-              <a:spcBef>
-                <a:spcPts val="1000"/>
-              </a:spcBef>
-              <a:spcAft>
-                <a:spcPts val="0"/>
-              </a:spcAft>
-              <a:buNone/>
-            </a:pPr>
-            <a:endParaRPr/>
-          </a:p>
-          <a:p>
-            <a:pPr marL="0" lvl="0" indent="0" algn="l" rtl="0">
-              <a:spcBef>
-                <a:spcPts val="1000"/>
-              </a:spcBef>
+            <a:endParaRPr sz="1800" dirty="0"/>
+          </a:p>
+          <a:p>
+            <a:pPr marL="342900" indent="-342900"/>
+            <a:endParaRPr sz="1800" dirty="0"/>
+          </a:p>
+          <a:p>
+            <a:pPr marL="342900" indent="-342900">
               <a:spcAft>
                 <a:spcPts val="200"/>
               </a:spcAft>
-              <a:buNone/>
             </a:pPr>
             <a:r>
-              <a:rPr lang="en-US"/>
-              <a:t>-Educational services, &amp; innovative careers poses higher ages of retirement.</a:t>
+              <a:rPr lang="en-US" sz="1800" dirty="0"/>
+              <a:t>Educational services, &amp; innovative careers poses higher ages of retirement.</a:t>
             </a:r>
-            <a:endParaRPr/>
+            <a:endParaRPr sz="1800" dirty="0"/>
           </a:p>
         </p:txBody>
       </p:sp>
@@ -19041,7 +19047,7 @@
         </p:nvSpPr>
         <p:spPr>
           <a:xfrm>
-            <a:off x="6298589" y="2400307"/>
+            <a:off x="6165239" y="1285875"/>
             <a:ext cx="4443900" cy="2562300"/>
           </a:xfrm>
           <a:prstGeom prst="rect">
@@ -19054,48 +19060,28 @@
           </a:bodyPr>
           <a:lstStyle/>
           <a:p>
-            <a:pPr marL="0" lvl="0" indent="0" algn="l" rtl="0">
-              <a:spcBef>
-                <a:spcPts val="1000"/>
-              </a:spcBef>
-              <a:spcAft>
-                <a:spcPts val="0"/>
-              </a:spcAft>
-              <a:buNone/>
-            </a:pPr>
+            <a:pPr marL="285750" indent="-285750"/>
             <a:r>
-              <a:rPr lang="en-US" sz="1800"/>
-              <a:t>-The significant reason for earlier retirement has been proven by the data to be a result of either injury or illness.</a:t>
+              <a:rPr lang="en-US" sz="1800" dirty="0"/>
+              <a:t>The significant reason for earlier retirement has been proven by the data to be a result of either injury or illness.</a:t>
             </a:r>
-            <a:endParaRPr sz="1800"/>
-          </a:p>
-          <a:p>
-            <a:pPr marL="0" lvl="0" indent="0" algn="l" rtl="0">
-              <a:spcBef>
-                <a:spcPts val="1000"/>
-              </a:spcBef>
-              <a:spcAft>
-                <a:spcPts val="0"/>
-              </a:spcAft>
-              <a:buNone/>
-            </a:pPr>
-            <a:endParaRPr sz="1800"/>
-          </a:p>
-          <a:p>
-            <a:pPr marL="0" lvl="0" indent="0" algn="l" rtl="0">
-              <a:spcBef>
-                <a:spcPts val="1000"/>
-              </a:spcBef>
+            <a:endParaRPr sz="1800" dirty="0"/>
+          </a:p>
+          <a:p>
+            <a:pPr marL="285750" indent="-285750"/>
+            <a:endParaRPr sz="1800" dirty="0"/>
+          </a:p>
+          <a:p>
+            <a:pPr marL="285750" indent="-285750">
               <a:spcAft>
                 <a:spcPts val="200"/>
               </a:spcAft>
-              <a:buNone/>
             </a:pPr>
             <a:r>
-              <a:rPr lang="en-US" sz="1800"/>
-              <a:t>-This statistics is less progressive as the age range increases.</a:t>
+              <a:rPr lang="en-US" sz="1800" dirty="0"/>
+              <a:t>This statistics is less progressive as the age range increases.</a:t>
             </a:r>
-            <a:endParaRPr sz="1800"/>
+            <a:endParaRPr sz="1800" dirty="0"/>
           </a:p>
         </p:txBody>
       </p:sp>
@@ -19107,7 +19093,7 @@
         </p:nvSpPr>
         <p:spPr>
           <a:xfrm>
-            <a:off x="1371600" y="1703700"/>
+            <a:off x="886375" y="851950"/>
             <a:ext cx="6523800" cy="582300"/>
           </a:xfrm>
           <a:prstGeom prst="rect">
@@ -19134,7 +19120,7 @@
               <a:buNone/>
             </a:pPr>
             <a:r>
-              <a:rPr lang="en-US" sz="2000" u="sng">
+              <a:rPr lang="en-US" sz="2400" i="1" u="sng" dirty="0">
                 <a:solidFill>
                   <a:schemeClr val="dk2"/>
                 </a:solidFill>
@@ -19145,7 +19131,7 @@
               </a:rPr>
               <a:t>Key Findings:</a:t>
             </a:r>
-            <a:endParaRPr sz="2000" u="sng">
+            <a:endParaRPr sz="2400" i="1" u="sng" dirty="0">
               <a:solidFill>
                 <a:schemeClr val="dk2"/>
               </a:solidFill>
@@ -19194,7 +19180,7 @@
         </p:nvSpPr>
         <p:spPr>
           <a:xfrm>
-            <a:off x="1371600" y="685800"/>
+            <a:off x="1295400" y="-76200"/>
             <a:ext cx="9601200" cy="1485900"/>
           </a:xfrm>
           <a:prstGeom prst="rect">
@@ -19225,7 +19211,7 @@
               <a:buNone/>
             </a:pPr>
             <a:r>
-              <a:rPr lang="en-US" sz="12000">
+              <a:rPr lang="en-US" sz="12000" dirty="0">
                 <a:solidFill>
                   <a:schemeClr val="dk1"/>
                 </a:solidFill>
@@ -19236,7 +19222,7 @@
               </a:rPr>
               <a:t>Objective </a:t>
             </a:r>
-            <a:endParaRPr/>
+            <a:endParaRPr dirty="0"/>
           </a:p>
         </p:txBody>
       </p:sp>
@@ -19252,7 +19238,7 @@
         </p:nvSpPr>
         <p:spPr>
           <a:xfrm>
-            <a:off x="1371600" y="2286000"/>
+            <a:off x="1295400" y="2495550"/>
             <a:ext cx="9601200" cy="3581400"/>
           </a:xfrm>
           <a:prstGeom prst="rect">
@@ -19261,57 +19247,24 @@
         </p:spPr>
         <p:txBody>
           <a:bodyPr spcFirstLastPara="1" wrap="square" lIns="91425" tIns="45700" rIns="91425" bIns="45700" anchor="t" anchorCtr="0">
-            <a:normAutofit fontScale="25000"/>
+            <a:normAutofit/>
           </a:bodyPr>
           <a:lstStyle/>
           <a:p>
-            <a:pPr marL="0" lvl="0" indent="0" algn="l" rtl="0">
+            <a:pPr marL="800100">
               <a:lnSpc>
                 <a:spcPct val="115000"/>
               </a:lnSpc>
               <a:spcBef>
                 <a:spcPts val="1200"/>
               </a:spcBef>
-              <a:spcAft>
-                <a:spcPts val="0"/>
-              </a:spcAft>
               <a:buClr>
                 <a:schemeClr val="dk1"/>
               </a:buClr>
               <a:buSzPts val="275"/>
-              <a:buFont typeface="Arial"/>
-              <a:buNone/>
-            </a:pPr>
-            <a:endParaRPr sz="12000">
-              <a:solidFill>
-                <a:schemeClr val="dk1"/>
-              </a:solidFill>
-              <a:latin typeface="Calibri"/>
-              <a:ea typeface="Calibri"/>
-              <a:cs typeface="Calibri"/>
-              <a:sym typeface="Calibri"/>
-            </a:endParaRPr>
-          </a:p>
-          <a:p>
-            <a:pPr marL="457200" lvl="0" indent="0" algn="l" rtl="0">
-              <a:lnSpc>
-                <a:spcPct val="115000"/>
-              </a:lnSpc>
-              <a:spcBef>
-                <a:spcPts val="1200"/>
-              </a:spcBef>
-              <a:spcAft>
-                <a:spcPts val="0"/>
-              </a:spcAft>
-              <a:buClr>
-                <a:schemeClr val="dk1"/>
-              </a:buClr>
-              <a:buSzPts val="275"/>
-              <a:buFont typeface="Arial"/>
-              <a:buNone/>
             </a:pPr>
             <a:r>
-              <a:rPr lang="en-US" sz="12000">
+              <a:rPr lang="en-US" sz="2400" dirty="0">
                 <a:solidFill>
                   <a:schemeClr val="dk1"/>
                 </a:solidFill>
@@ -19322,7 +19275,7 @@
               </a:rPr>
               <a:t>The objective is to investigate whether specific professions result in early retirement .</a:t>
             </a:r>
-            <a:endParaRPr sz="12000">
+            <a:endParaRPr sz="2400" dirty="0">
               <a:solidFill>
                 <a:schemeClr val="dk1"/>
               </a:solidFill>
@@ -19333,25 +19286,20 @@
             </a:endParaRPr>
           </a:p>
           <a:p>
-            <a:pPr marL="457200" lvl="0" indent="0" algn="l" rtl="0">
+            <a:pPr marL="800100">
               <a:lnSpc>
                 <a:spcPct val="115000"/>
               </a:lnSpc>
               <a:spcBef>
                 <a:spcPts val="1200"/>
               </a:spcBef>
-              <a:spcAft>
-                <a:spcPts val="0"/>
-              </a:spcAft>
               <a:buClr>
                 <a:schemeClr val="dk1"/>
               </a:buClr>
               <a:buSzPts val="275"/>
-              <a:buFont typeface="Arial"/>
-              <a:buNone/>
             </a:pPr>
             <a:r>
-              <a:rPr lang="en-US" sz="12000">
+              <a:rPr lang="en-US" sz="2400" dirty="0">
                 <a:solidFill>
                   <a:schemeClr val="dk1"/>
                 </a:solidFill>
@@ -19362,7 +19310,7 @@
               </a:rPr>
               <a:t>What factors influence early  retirement.</a:t>
             </a:r>
-            <a:endParaRPr sz="12000">
+            <a:endParaRPr sz="2400" dirty="0">
               <a:solidFill>
                 <a:schemeClr val="dk1"/>
               </a:solidFill>
@@ -19371,38 +19319,6 @@
               <a:cs typeface="Calibri"/>
               <a:sym typeface="Calibri"/>
             </a:endParaRPr>
-          </a:p>
-          <a:p>
-            <a:pPr marL="457200" lvl="0" indent="0" algn="l" rtl="0">
-              <a:lnSpc>
-                <a:spcPct val="115000"/>
-              </a:lnSpc>
-              <a:spcBef>
-                <a:spcPts val="1200"/>
-              </a:spcBef>
-              <a:spcAft>
-                <a:spcPts val="1200"/>
-              </a:spcAft>
-              <a:buClr>
-                <a:schemeClr val="dk1"/>
-              </a:buClr>
-              <a:buSzPts val="275"/>
-              <a:buFont typeface="Arial"/>
-              <a:buNone/>
-            </a:pPr>
-            <a:r>
-              <a:rPr lang="en-US" sz="12000">
-                <a:solidFill>
-                  <a:schemeClr val="dk1"/>
-                </a:solidFill>
-                <a:latin typeface="Calibri"/>
-                <a:ea typeface="Calibri"/>
-                <a:cs typeface="Calibri"/>
-                <a:sym typeface="Calibri"/>
-              </a:rPr>
-              <a:t>How has retirement age changed overtime for everyone</a:t>
-            </a:r>
-            <a:endParaRPr/>
           </a:p>
         </p:txBody>
       </p:sp>
@@ -19498,85 +19414,73 @@
           </a:bodyPr>
           <a:lstStyle/>
           <a:p>
-            <a:pPr marL="914400" lvl="0" indent="-381000" algn="just" rtl="0">
+            <a:pPr marL="876300" algn="just">
               <a:lnSpc>
                 <a:spcPct val="115000"/>
               </a:lnSpc>
               <a:spcBef>
                 <a:spcPts val="1200"/>
               </a:spcBef>
-              <a:spcAft>
-                <a:spcPts val="0"/>
-              </a:spcAft>
               <a:buClr>
                 <a:schemeClr val="dk1"/>
               </a:buClr>
               <a:buSzPts val="2400"/>
-              <a:buChar char="-"/>
             </a:pPr>
             <a:r>
-              <a:rPr lang="en-US" sz="2400">
+              <a:rPr lang="en-US" sz="2400" dirty="0">
                 <a:solidFill>
                   <a:schemeClr val="dk1"/>
                 </a:solidFill>
               </a:rPr>
               <a:t>We have  collected data from Australian Bureau of Statistics.</a:t>
             </a:r>
-            <a:endParaRPr sz="2400">
+            <a:endParaRPr sz="2400" dirty="0">
               <a:solidFill>
                 <a:schemeClr val="dk1"/>
               </a:solidFill>
             </a:endParaRPr>
           </a:p>
           <a:p>
-            <a:pPr marL="914400" lvl="0" indent="-381000" algn="just" rtl="0">
+            <a:pPr marL="876300" algn="just">
               <a:lnSpc>
                 <a:spcPct val="115000"/>
               </a:lnSpc>
               <a:spcBef>
                 <a:spcPts val="0"/>
               </a:spcBef>
-              <a:spcAft>
-                <a:spcPts val="0"/>
-              </a:spcAft>
               <a:buClr>
                 <a:schemeClr val="dk1"/>
               </a:buClr>
               <a:buSzPts val="2400"/>
-              <a:buChar char="-"/>
-            </a:pPr>
-            <a:endParaRPr sz="2400">
+            </a:pPr>
+            <a:endParaRPr sz="2400" dirty="0">
               <a:solidFill>
                 <a:schemeClr val="dk1"/>
               </a:solidFill>
             </a:endParaRPr>
           </a:p>
           <a:p>
-            <a:pPr marL="914400" lvl="0" indent="-381000" algn="just" rtl="0">
+            <a:pPr marL="876300" algn="just">
               <a:lnSpc>
                 <a:spcPct val="115000"/>
               </a:lnSpc>
               <a:spcBef>
                 <a:spcPts val="0"/>
               </a:spcBef>
-              <a:spcAft>
-                <a:spcPts val="0"/>
-              </a:spcAft>
               <a:buClr>
                 <a:schemeClr val="dk1"/>
               </a:buClr>
               <a:buSzPts val="2400"/>
-              <a:buChar char="-"/>
             </a:pPr>
             <a:r>
-              <a:rPr lang="en-US" sz="2400">
+              <a:rPr lang="en-US" sz="2400" dirty="0">
                 <a:solidFill>
                   <a:schemeClr val="dk1"/>
                 </a:solidFill>
               </a:rPr>
               <a:t>By examining retirement age data across various professions, we aim to identify any patterns, trends that suggest a correlation between a person's occupation and the age at which they retire and how it inclined over time.</a:t>
             </a:r>
-            <a:endParaRPr sz="2400">
+            <a:endParaRPr sz="2400" dirty="0">
               <a:solidFill>
                 <a:schemeClr val="dk1"/>
               </a:solidFill>
@@ -19595,7 +19499,7 @@
               </a:spcAft>
               <a:buNone/>
             </a:pPr>
-            <a:endParaRPr sz="2400">
+            <a:endParaRPr sz="2400" dirty="0">
               <a:solidFill>
                 <a:schemeClr val="dk1"/>
               </a:solidFill>
@@ -19623,7 +19527,7 @@
               <a:buFont typeface="Arial"/>
               <a:buNone/>
             </a:pPr>
-            <a:endParaRPr sz="2400">
+            <a:endParaRPr sz="2400" dirty="0">
               <a:solidFill>
                 <a:schemeClr val="dk1"/>
               </a:solidFill>
@@ -19672,7 +19576,7 @@
         </p:nvSpPr>
         <p:spPr>
           <a:xfrm>
-            <a:off x="1371600" y="685800"/>
+            <a:off x="971550" y="1179600"/>
             <a:ext cx="9601200" cy="1485900"/>
           </a:xfrm>
           <a:prstGeom prst="rect">
@@ -19695,7 +19599,7 @@
               <a:buNone/>
             </a:pPr>
             <a:r>
-              <a:rPr lang="en-US">
+              <a:rPr lang="en-US" dirty="0">
                 <a:solidFill>
                   <a:srgbClr val="191B0E"/>
                 </a:solidFill>
@@ -19706,7 +19610,7 @@
               </a:rPr>
               <a:t>Hypothesis</a:t>
             </a:r>
-            <a:endParaRPr/>
+            <a:endParaRPr dirty="0"/>
           </a:p>
         </p:txBody>
       </p:sp>
@@ -19735,7 +19639,7 @@
           </a:bodyPr>
           <a:lstStyle/>
           <a:p>
-            <a:pPr marL="0" lvl="0" indent="0" algn="l" rtl="0">
+            <a:pPr marL="342900" lvl="0" indent="-342900" algn="l" rtl="0">
               <a:lnSpc>
                 <a:spcPct val="115000"/>
               </a:lnSpc>
@@ -19745,10 +19649,11 @@
               <a:spcAft>
                 <a:spcPts val="0"/>
               </a:spcAft>
-              <a:buNone/>
+              <a:buFont typeface="Arial" panose="020B0604020202020204" pitchFamily="34" charset="0"/>
+              <a:buChar char="•"/>
             </a:pPr>
             <a:r>
-              <a:rPr lang="en-US" sz="2000">
+              <a:rPr lang="en-US" sz="2000" dirty="0">
                 <a:solidFill>
                   <a:schemeClr val="dk2"/>
                 </a:solidFill>
@@ -19759,7 +19664,7 @@
               </a:rPr>
               <a:t>We believe the main reasons for retirement at a younger age is consistent with:</a:t>
             </a:r>
-            <a:endParaRPr sz="2000">
+            <a:endParaRPr sz="2000" dirty="0">
               <a:solidFill>
                 <a:schemeClr val="dk2"/>
               </a:solidFill>
@@ -19770,7 +19675,7 @@
             </a:endParaRPr>
           </a:p>
           <a:p>
-            <a:pPr marL="0" lvl="0" indent="0" algn="l" rtl="0">
+            <a:pPr marL="342900" lvl="0" indent="-342900" algn="l" rtl="0">
               <a:lnSpc>
                 <a:spcPct val="115000"/>
               </a:lnSpc>
@@ -19780,9 +19685,10 @@
               <a:spcAft>
                 <a:spcPts val="0"/>
               </a:spcAft>
-              <a:buNone/>
-            </a:pPr>
-            <a:endParaRPr sz="2000">
+              <a:buFont typeface="Arial" panose="020B0604020202020204" pitchFamily="34" charset="0"/>
+              <a:buChar char="•"/>
+            </a:pPr>
+            <a:endParaRPr sz="2000" dirty="0">
               <a:solidFill>
                 <a:schemeClr val="dk2"/>
               </a:solidFill>
@@ -19793,7 +19699,7 @@
             </a:endParaRPr>
           </a:p>
           <a:p>
-            <a:pPr marL="0" lvl="0" indent="0" algn="l" rtl="0">
+            <a:pPr marL="342900" lvl="0" indent="-342900" algn="l" rtl="0">
               <a:lnSpc>
                 <a:spcPct val="115000"/>
               </a:lnSpc>
@@ -19803,10 +19709,11 @@
               <a:spcAft>
                 <a:spcPts val="0"/>
               </a:spcAft>
-              <a:buNone/>
+              <a:buFont typeface="Arial" panose="020B0604020202020204" pitchFamily="34" charset="0"/>
+              <a:buChar char="•"/>
             </a:pPr>
             <a:r>
-              <a:rPr lang="en-US" sz="2000">
+              <a:rPr lang="en-US" sz="2000" dirty="0">
                 <a:solidFill>
                   <a:schemeClr val="dk2"/>
                 </a:solidFill>
@@ -19817,7 +19724,7 @@
               </a:rPr>
               <a:t>positive factors including; financial freedom within household &amp; super contributions. </a:t>
             </a:r>
-            <a:endParaRPr sz="2000">
+            <a:endParaRPr sz="2000" dirty="0">
               <a:solidFill>
                 <a:schemeClr val="dk2"/>
               </a:solidFill>
@@ -19828,7 +19735,7 @@
             </a:endParaRPr>
           </a:p>
           <a:p>
-            <a:pPr marL="0" lvl="0" indent="0" algn="l" rtl="0">
+            <a:pPr marL="342900" lvl="0" indent="-342900" algn="l" rtl="0">
               <a:lnSpc>
                 <a:spcPct val="115000"/>
               </a:lnSpc>
@@ -19842,11 +19749,11 @@
                 <a:schemeClr val="dk1"/>
               </a:buClr>
               <a:buSzPts val="1100"/>
-              <a:buFont typeface="Arial"/>
-              <a:buNone/>
+              <a:buFont typeface="Arial" panose="020B0604020202020204" pitchFamily="34" charset="0"/>
+              <a:buChar char="•"/>
             </a:pPr>
             <a:r>
-              <a:rPr lang="en-US" sz="2000">
+              <a:rPr lang="en-US" sz="2000" dirty="0">
                 <a:solidFill>
                   <a:schemeClr val="dk2"/>
                 </a:solidFill>
@@ -19857,7 +19764,7 @@
               </a:rPr>
               <a:t>negative factors including; well as negative factors such as;  injury or illness, health conditions or capability within the job itself.</a:t>
             </a:r>
-            <a:endParaRPr sz="2000">
+            <a:endParaRPr sz="2000" dirty="0">
               <a:solidFill>
                 <a:schemeClr val="dk2"/>
               </a:solidFill>
@@ -19877,7 +19784,7 @@
               </a:spcAft>
               <a:buNone/>
             </a:pPr>
-            <a:endParaRPr sz="2000">
+            <a:endParaRPr sz="2000" dirty="0">
               <a:solidFill>
                 <a:schemeClr val="dk2"/>
               </a:solidFill>
@@ -19993,161 +19900,126 @@
           </a:bodyPr>
           <a:lstStyle/>
           <a:p>
-            <a:pPr marL="0" lvl="0" indent="0" algn="l" rtl="0">
+            <a:pPr marL="342900">
               <a:lnSpc>
                 <a:spcPct val="115000"/>
               </a:lnSpc>
-              <a:spcBef>
-                <a:spcPts val="1000"/>
-              </a:spcBef>
-              <a:spcAft>
-                <a:spcPts val="0"/>
-              </a:spcAft>
               <a:buClr>
                 <a:schemeClr val="dk1"/>
               </a:buClr>
               <a:buSzPts val="523"/>
-              <a:buFont typeface="Arial"/>
-              <a:buNone/>
-            </a:pPr>
-            <a:endParaRPr sz="1937">
+            </a:pPr>
+            <a:endParaRPr sz="1937" dirty="0">
               <a:solidFill>
                 <a:srgbClr val="1D1C1D"/>
               </a:solidFill>
             </a:endParaRPr>
           </a:p>
           <a:p>
-            <a:pPr marL="0" lvl="0" indent="0" algn="l" rtl="0">
+            <a:pPr marL="342900">
               <a:lnSpc>
                 <a:spcPct val="115000"/>
               </a:lnSpc>
-              <a:spcBef>
-                <a:spcPts val="1000"/>
-              </a:spcBef>
-              <a:spcAft>
-                <a:spcPts val="0"/>
-              </a:spcAft>
               <a:buClr>
                 <a:schemeClr val="dk1"/>
               </a:buClr>
               <a:buSzPts val="523"/>
-              <a:buFont typeface="Arial"/>
-              <a:buNone/>
-            </a:pPr>
-            <a:endParaRPr sz="1937">
+            </a:pPr>
+            <a:endParaRPr sz="1937" dirty="0">
               <a:solidFill>
                 <a:srgbClr val="1D1C1D"/>
               </a:solidFill>
             </a:endParaRPr>
           </a:p>
           <a:p>
-            <a:pPr marL="457200" lvl="0" indent="-351631" algn="l" rtl="0">
+            <a:pPr marL="448469">
               <a:lnSpc>
                 <a:spcPct val="115000"/>
               </a:lnSpc>
-              <a:spcBef>
-                <a:spcPts val="1000"/>
-              </a:spcBef>
-              <a:spcAft>
-                <a:spcPts val="0"/>
-              </a:spcAft>
               <a:buClr>
                 <a:srgbClr val="1D1C1D"/>
               </a:buClr>
               <a:buSzPts val="1938"/>
-              <a:buChar char="-"/>
             </a:pPr>
             <a:r>
-              <a:rPr lang="en-US" sz="1937">
+              <a:rPr lang="en-US" sz="1937" dirty="0">
                 <a:solidFill>
                   <a:srgbClr val="1D1C1D"/>
                 </a:solidFill>
               </a:rPr>
-              <a:t>explore patterns</a:t>
+              <a:t>Explore patterns</a:t>
             </a:r>
-            <a:endParaRPr sz="1937">
+            <a:endParaRPr sz="1937" dirty="0">
               <a:solidFill>
                 <a:srgbClr val="1D1C1D"/>
               </a:solidFill>
             </a:endParaRPr>
           </a:p>
           <a:p>
-            <a:pPr marL="457200" lvl="0" indent="-351631" algn="l" rtl="0">
+            <a:pPr marL="448469">
               <a:lnSpc>
                 <a:spcPct val="115000"/>
               </a:lnSpc>
               <a:spcBef>
                 <a:spcPts val="0"/>
               </a:spcBef>
-              <a:spcAft>
-                <a:spcPts val="0"/>
-              </a:spcAft>
               <a:buClr>
                 <a:srgbClr val="1D1C1D"/>
               </a:buClr>
               <a:buSzPts val="1938"/>
-              <a:buChar char="-"/>
             </a:pPr>
             <a:r>
-              <a:rPr lang="en-US" sz="1937">
+              <a:rPr lang="en-US" sz="1937" dirty="0">
                 <a:solidFill>
                   <a:srgbClr val="1D1C1D"/>
                 </a:solidFill>
               </a:rPr>
-              <a:t>look for specific professions</a:t>
+              <a:t>Look for specific professions</a:t>
             </a:r>
-            <a:endParaRPr sz="1937">
+            <a:endParaRPr sz="1937" dirty="0">
               <a:solidFill>
                 <a:srgbClr val="1D1C1D"/>
               </a:solidFill>
             </a:endParaRPr>
           </a:p>
           <a:p>
-            <a:pPr marL="457200" lvl="0" indent="-351631" algn="l" rtl="0">
+            <a:pPr marL="448469">
               <a:lnSpc>
                 <a:spcPct val="115000"/>
               </a:lnSpc>
               <a:spcBef>
                 <a:spcPts val="0"/>
               </a:spcBef>
-              <a:spcAft>
-                <a:spcPts val="0"/>
-              </a:spcAft>
               <a:buClr>
                 <a:srgbClr val="1D1C1D"/>
               </a:buClr>
               <a:buSzPts val="1938"/>
-              <a:buChar char="-"/>
             </a:pPr>
             <a:r>
-              <a:rPr lang="en-US" sz="1937">
+              <a:rPr lang="en-US" sz="1937" dirty="0">
                 <a:solidFill>
                   <a:srgbClr val="1D1C1D"/>
                 </a:solidFill>
               </a:rPr>
               <a:t>Do Comparative Analysis</a:t>
             </a:r>
-            <a:endParaRPr sz="1937">
+            <a:endParaRPr sz="1937" dirty="0">
               <a:solidFill>
                 <a:srgbClr val="1D1C1D"/>
               </a:solidFill>
             </a:endParaRPr>
           </a:p>
           <a:p>
-            <a:pPr marL="0" lvl="0" indent="0" algn="l" rtl="0">
+            <a:pPr marL="342900">
               <a:lnSpc>
                 <a:spcPct val="74000"/>
               </a:lnSpc>
-              <a:spcBef>
-                <a:spcPts val="1000"/>
-              </a:spcBef>
               <a:spcAft>
                 <a:spcPts val="200"/>
               </a:spcAft>
               <a:buSzPts val="523"/>
-              <a:buNone/>
-            </a:pPr>
-            <a:endParaRPr sz="2137">
+            </a:pPr>
+            <a:endParaRPr sz="2137" dirty="0">
               <a:solidFill>
                 <a:srgbClr val="1D1C1D"/>
               </a:solidFill>
@@ -20293,14 +20165,14 @@
               <a:buNone/>
             </a:pPr>
             <a:r>
-              <a:rPr lang="en-US" sz="1400">
+              <a:rPr lang="en-US" sz="1400" dirty="0">
                 <a:solidFill>
                   <a:srgbClr val="1D1C1D"/>
                 </a:solidFill>
               </a:rPr>
               <a:t>Early Retirement Industries:- Categories such as Financial and insurance services, Electricity, gas, water and waste services, and Mining have notably lower average ages at retirement, suggesting that individuals in these industries tend to retire relatively early. i.e. at average age 48.16 and 48.83 .</a:t>
             </a:r>
-            <a:endParaRPr sz="1400">
+            <a:endParaRPr sz="1400" dirty="0">
               <a:solidFill>
                 <a:srgbClr val="1D1C1D"/>
               </a:solidFill>
@@ -20325,14 +20197,14 @@
               <a:buNone/>
             </a:pPr>
             <a:r>
-              <a:rPr lang="en-US" sz="1400">
+              <a:rPr lang="en-US" sz="1400" dirty="0">
                 <a:solidFill>
                   <a:srgbClr val="1D1C1D"/>
                 </a:solidFill>
               </a:rPr>
-              <a:t>Mid-Range Retirement Ages: -Categories like Manufacturing,Wholesale trade,and Arts and recreation services fall in the mid-range of average retirement age falls under 52.9 to 54.8</a:t>
+              <a:t>Mid-Range Retirement Ages: -Categories like Manufacturing, Wholesale trade and Arts and recreation services fall in the mid-range of average retirement age falls under 52.9 to 54.8</a:t>
             </a:r>
-            <a:endParaRPr sz="1400">
+            <a:endParaRPr sz="1400" dirty="0">
               <a:solidFill>
                 <a:srgbClr val="1D1C1D"/>
               </a:solidFill>
@@ -20357,14 +20229,14 @@
               <a:buNone/>
             </a:pPr>
             <a:r>
-              <a:rPr lang="en-US" sz="1400">
+              <a:rPr lang="en-US" sz="1400" dirty="0">
                 <a:solidFill>
                   <a:srgbClr val="1D1C1D"/>
                 </a:solidFill>
               </a:rPr>
               <a:t>Later Retirement Industries: - Professions such as Professional, scientific and technical services, Transport, postal and warehousing, and Education and training have higher average ages at retirement, indicating a tendency for later retirement in these sectors .i.e. average age falls in  60.8 to 62.1</a:t>
             </a:r>
-            <a:endParaRPr sz="1400">
+            <a:endParaRPr sz="1400" dirty="0">
               <a:solidFill>
                 <a:srgbClr val="1D1C1D"/>
               </a:solidFill>
@@ -20384,7 +20256,7 @@
               <a:buSzPts val="275"/>
               <a:buNone/>
             </a:pPr>
-            <a:endParaRPr sz="1400"/>
+            <a:endParaRPr sz="1400" dirty="0"/>
           </a:p>
         </p:txBody>
       </p:sp>
@@ -20606,7 +20478,7 @@
         </p:nvSpPr>
         <p:spPr>
           <a:xfrm>
-            <a:off x="1220600" y="220075"/>
+            <a:off x="1220600" y="-94250"/>
             <a:ext cx="10528500" cy="1224600"/>
           </a:xfrm>
           <a:prstGeom prst="rect">
@@ -20632,10 +20504,10 @@
               <a:buNone/>
             </a:pPr>
             <a:r>
-              <a:rPr lang="en-US" sz="3177" b="1" u="sng"/>
+              <a:rPr lang="en-US" sz="3177" b="1" u="sng" dirty="0"/>
               <a:t>Explore patterns</a:t>
             </a:r>
-            <a:endParaRPr sz="3177" b="1" u="sng"/>
+            <a:endParaRPr sz="3177" b="1" u="sng" dirty="0"/>
           </a:p>
           <a:p>
             <a:pPr marL="0" lvl="0" indent="0" algn="l" rtl="0">
@@ -20651,10 +20523,10 @@
               <a:buNone/>
             </a:pPr>
             <a:r>
-              <a:rPr lang="en-US" sz="1888"/>
+              <a:rPr lang="en-US" sz="1888" dirty="0"/>
               <a:t>Investigating potential patterns influencing retirement age and decision by calculating mean and median over all years</a:t>
             </a:r>
-            <a:endParaRPr sz="1888"/>
+            <a:endParaRPr sz="1888" dirty="0"/>
           </a:p>
           <a:p>
             <a:pPr marL="0" lvl="0" indent="0" algn="l" rtl="0">
@@ -20666,7 +20538,7 @@
               </a:spcAft>
               <a:buNone/>
             </a:pPr>
-            <a:endParaRPr/>
+            <a:endParaRPr dirty="0"/>
           </a:p>
         </p:txBody>
       </p:sp>
@@ -20682,8 +20554,8 @@
         </p:nvSpPr>
         <p:spPr>
           <a:xfrm>
-            <a:off x="1220600" y="1608525"/>
-            <a:ext cx="4895100" cy="5179800"/>
+            <a:off x="1220600" y="1237049"/>
+            <a:ext cx="4895100" cy="5554275"/>
           </a:xfrm>
           <a:prstGeom prst="rect">
             <a:avLst/>
@@ -20708,10 +20580,64 @@
               <a:buNone/>
             </a:pPr>
             <a:r>
-              <a:rPr lang="en-US" sz="1200"/>
+              <a:rPr lang="en-US" sz="1200" dirty="0"/>
               <a:t>The lowest median values of average age for all categories are in the range of 57 to 58 years. </a:t>
             </a:r>
-            <a:endParaRPr sz="1200"/>
+            <a:endParaRPr sz="1200" dirty="0"/>
+          </a:p>
+          <a:p>
+            <a:pPr marL="171450" indent="-171450">
+              <a:lnSpc>
+                <a:spcPct val="100000"/>
+              </a:lnSpc>
+            </a:pPr>
+            <a:r>
+              <a:rPr lang="en-US" sz="1200" dirty="0"/>
+              <a:t>Administrative and support services (57.4865)</a:t>
+            </a:r>
+            <a:endParaRPr sz="1200" dirty="0"/>
+          </a:p>
+          <a:p>
+            <a:pPr marL="171450" indent="-171450">
+              <a:lnSpc>
+                <a:spcPct val="100000"/>
+              </a:lnSpc>
+            </a:pPr>
+            <a:r>
+              <a:rPr lang="en-US" sz="1200" dirty="0"/>
+              <a:t>Accommodation and food services (57.6080)</a:t>
+            </a:r>
+            <a:endParaRPr sz="1200" dirty="0"/>
+          </a:p>
+          <a:p>
+            <a:pPr marL="171450" indent="-171450">
+              <a:lnSpc>
+                <a:spcPct val="100000"/>
+              </a:lnSpc>
+              <a:spcBef>
+                <a:spcPts val="1200"/>
+              </a:spcBef>
+            </a:pPr>
+            <a:r>
+              <a:rPr lang="en-US" sz="1200" dirty="0"/>
+              <a:t>Financial and insurance services (57.7515)</a:t>
+            </a:r>
+            <a:endParaRPr sz="1200" dirty="0"/>
+          </a:p>
+          <a:p>
+            <a:pPr marL="171450" indent="-171450">
+              <a:lnSpc>
+                <a:spcPct val="100000"/>
+              </a:lnSpc>
+              <a:spcBef>
+                <a:spcPts val="1200"/>
+              </a:spcBef>
+            </a:pPr>
+            <a:r>
+              <a:rPr lang="en-US" sz="1200" dirty="0"/>
+              <a:t>Retail trade (57.8765)</a:t>
+            </a:r>
+            <a:endParaRPr sz="1200" dirty="0"/>
           </a:p>
           <a:p>
             <a:pPr marL="0" lvl="0" indent="0" algn="l" rtl="0">
@@ -20719,7 +20645,7 @@
                 <a:spcPct val="100000"/>
               </a:lnSpc>
               <a:spcBef>
-                <a:spcPts val="1000"/>
+                <a:spcPts val="1200"/>
               </a:spcBef>
               <a:spcAft>
                 <a:spcPts val="0"/>
@@ -20727,86 +20653,70 @@
               <a:buNone/>
             </a:pPr>
             <a:r>
-              <a:rPr lang="en-US" sz="1200"/>
-              <a:t>- Administrative and support services (57.4865)</a:t>
-            </a:r>
-            <a:endParaRPr sz="1200"/>
-          </a:p>
-          <a:p>
-            <a:pPr marL="0" lvl="0" indent="0" algn="l" rtl="0">
-              <a:lnSpc>
-                <a:spcPct val="100000"/>
-              </a:lnSpc>
-              <a:spcBef>
-                <a:spcPts val="1000"/>
-              </a:spcBef>
-              <a:spcAft>
-                <a:spcPts val="0"/>
-              </a:spcAft>
-              <a:buNone/>
-            </a:pPr>
-            <a:r>
-              <a:rPr lang="en-US" sz="1200"/>
-              <a:t>- Accommodation and food services (57.6080)</a:t>
-            </a:r>
-            <a:endParaRPr sz="1200"/>
-          </a:p>
-          <a:p>
-            <a:pPr marL="0" lvl="0" indent="0" algn="l" rtl="0">
-              <a:lnSpc>
-                <a:spcPct val="100000"/>
-              </a:lnSpc>
-              <a:spcBef>
-                <a:spcPts val="1200"/>
-              </a:spcBef>
-              <a:spcAft>
-                <a:spcPts val="0"/>
-              </a:spcAft>
-              <a:buNone/>
-            </a:pPr>
-            <a:r>
-              <a:rPr lang="en-US" sz="1200"/>
-              <a:t> - Financial and insurance services (57.7515)</a:t>
-            </a:r>
-            <a:endParaRPr sz="1200"/>
-          </a:p>
-          <a:p>
-            <a:pPr marL="0" lvl="0" indent="0" algn="l" rtl="0">
-              <a:lnSpc>
-                <a:spcPct val="100000"/>
-              </a:lnSpc>
-              <a:spcBef>
-                <a:spcPts val="1200"/>
-              </a:spcBef>
-              <a:spcAft>
-                <a:spcPts val="0"/>
-              </a:spcAft>
-              <a:buNone/>
-            </a:pPr>
-            <a:r>
-              <a:rPr lang="en-US" sz="1200"/>
-              <a:t> - Retail trade (57.8765)</a:t>
-            </a:r>
-            <a:endParaRPr sz="1200"/>
-          </a:p>
-          <a:p>
-            <a:pPr marL="0" lvl="0" indent="0" algn="l" rtl="0">
-              <a:lnSpc>
-                <a:spcPct val="100000"/>
-              </a:lnSpc>
-              <a:spcBef>
-                <a:spcPts val="1200"/>
-              </a:spcBef>
-              <a:spcAft>
-                <a:spcPts val="0"/>
-              </a:spcAft>
-              <a:buNone/>
-            </a:pPr>
-            <a:r>
-              <a:rPr lang="en-US" sz="1200"/>
+              <a:rPr lang="en-US" sz="1200" dirty="0"/>
               <a:t> Highest Average Retirement Age: are in the range of 60 to 61 years. These include:</a:t>
             </a:r>
-            <a:endParaRPr sz="1200"/>
+            <a:endParaRPr sz="1200" dirty="0"/>
+          </a:p>
+          <a:p>
+            <a:pPr marL="171450" indent="-171450">
+              <a:lnSpc>
+                <a:spcPct val="100000"/>
+              </a:lnSpc>
+              <a:spcBef>
+                <a:spcPts val="1200"/>
+              </a:spcBef>
+            </a:pPr>
+            <a:r>
+              <a:rPr lang="en-US" sz="1200" dirty="0"/>
+              <a:t>Professional, scientific and technical services (61.3350)</a:t>
+            </a:r>
+            <a:endParaRPr sz="1200" dirty="0"/>
+          </a:p>
+          <a:p>
+            <a:pPr marL="171450" indent="-171450">
+              <a:lnSpc>
+                <a:spcPct val="100000"/>
+              </a:lnSpc>
+              <a:spcBef>
+                <a:spcPts val="1200"/>
+              </a:spcBef>
+            </a:pPr>
+            <a:r>
+              <a:rPr lang="en-US" sz="1200" dirty="0"/>
+              <a:t>Agriculture, forestry and fishing (61.4775)</a:t>
+            </a:r>
+            <a:endParaRPr sz="1200" dirty="0"/>
+          </a:p>
+          <a:p>
+            <a:pPr marL="171450" indent="-171450">
+              <a:lnSpc>
+                <a:spcPct val="100000"/>
+              </a:lnSpc>
+              <a:spcBef>
+                <a:spcPts val="1200"/>
+              </a:spcBef>
+            </a:pPr>
+            <a:r>
+              <a:rPr lang="en-US" sz="1200" dirty="0"/>
+              <a:t>Construction (60.7455)</a:t>
+            </a:r>
+            <a:endParaRPr sz="1200" dirty="0"/>
+          </a:p>
+          <a:p>
+            <a:pPr marL="171450" indent="-171450">
+              <a:lnSpc>
+                <a:spcPct val="100000"/>
+              </a:lnSpc>
+              <a:spcBef>
+                <a:spcPts val="1200"/>
+              </a:spcBef>
+            </a:pPr>
+            <a:r>
+              <a:rPr lang="en-US" sz="1200" dirty="0"/>
+              <a:t>Transport, postal and warehousing (60.6655)</a:t>
+            </a:r>
+            <a:endParaRPr sz="1200" dirty="0"/>
           </a:p>
           <a:p>
             <a:pPr marL="0" lvl="0" indent="0" algn="l" rtl="0">
@@ -20822,155 +20732,81 @@
               <a:buNone/>
             </a:pPr>
             <a:r>
-              <a:rPr lang="en-US" sz="1200"/>
-              <a:t>- Professional, scientific and technical services (61.3350)</a:t>
+              <a:rPr lang="en-US" sz="1200" dirty="0"/>
+              <a:t> Mid-Range Average Retirement Age: (around 59 years) include:- Other services (59.4330)- Public administration and safety.</a:t>
             </a:r>
-            <a:endParaRPr sz="1200"/>
+            <a:endParaRPr sz="1200" dirty="0"/>
+          </a:p>
+          <a:p>
+            <a:pPr marL="171450" indent="-171450">
+              <a:lnSpc>
+                <a:spcPct val="100000"/>
+              </a:lnSpc>
+              <a:spcBef>
+                <a:spcPts val="1200"/>
+              </a:spcBef>
+            </a:pPr>
+            <a:r>
+              <a:rPr lang="en-US" sz="1200" dirty="0"/>
+              <a:t>Health care and social assistance (59.6700)</a:t>
+            </a:r>
+            <a:endParaRPr sz="1200" dirty="0"/>
+          </a:p>
+          <a:p>
+            <a:pPr marL="171450" indent="-171450">
+              <a:lnSpc>
+                <a:spcPct val="100000"/>
+              </a:lnSpc>
+              <a:spcBef>
+                <a:spcPts val="1200"/>
+              </a:spcBef>
+            </a:pPr>
+            <a:r>
+              <a:rPr lang="en-US" sz="1200" dirty="0"/>
+              <a:t>Wholesale trade (59.7155) </a:t>
+            </a:r>
+          </a:p>
+          <a:p>
+            <a:pPr marL="171450" indent="-171450">
+              <a:lnSpc>
+                <a:spcPct val="100000"/>
+              </a:lnSpc>
+              <a:spcBef>
+                <a:spcPts val="1200"/>
+              </a:spcBef>
+            </a:pPr>
+            <a:r>
+              <a:rPr lang="en-US" sz="1200" dirty="0"/>
+              <a:t>Education (59.6490)</a:t>
+            </a:r>
+            <a:endParaRPr sz="1200" dirty="0"/>
+          </a:p>
+          <a:p>
+            <a:pPr marL="171450" indent="-171450">
+              <a:lnSpc>
+                <a:spcPct val="100000"/>
+              </a:lnSpc>
+              <a:spcBef>
+                <a:spcPts val="1200"/>
+              </a:spcBef>
+            </a:pPr>
+            <a:r>
+              <a:rPr lang="en-US" sz="1200" dirty="0"/>
+              <a:t>Electricity, gas, water and waste services (59.7920)</a:t>
+            </a:r>
+            <a:endParaRPr sz="1200" dirty="0"/>
           </a:p>
           <a:p>
             <a:pPr marL="0" lvl="0" indent="0" algn="l" rtl="0">
-              <a:lnSpc>
-                <a:spcPct val="100000"/>
-              </a:lnSpc>
               <a:spcBef>
                 <a:spcPts val="1200"/>
               </a:spcBef>
               <a:spcAft>
-                <a:spcPts val="0"/>
-              </a:spcAft>
-              <a:buNone/>
-            </a:pPr>
-            <a:r>
-              <a:rPr lang="en-US" sz="1200"/>
-              <a:t>- Agriculture, forestry and fishing (61.4775)</a:t>
-            </a:r>
-            <a:endParaRPr sz="1200"/>
-          </a:p>
-          <a:p>
-            <a:pPr marL="0" lvl="0" indent="0" algn="l" rtl="0">
-              <a:lnSpc>
-                <a:spcPct val="100000"/>
-              </a:lnSpc>
-              <a:spcBef>
-                <a:spcPts val="1200"/>
-              </a:spcBef>
-              <a:spcAft>
-                <a:spcPts val="0"/>
-              </a:spcAft>
-              <a:buNone/>
-            </a:pPr>
-            <a:r>
-              <a:rPr lang="en-US" sz="1200"/>
-              <a:t> - Construction (60.7455)</a:t>
-            </a:r>
-            <a:endParaRPr sz="1200"/>
-          </a:p>
-          <a:p>
-            <a:pPr marL="0" lvl="0" indent="0" algn="l" rtl="0">
-              <a:lnSpc>
-                <a:spcPct val="100000"/>
-              </a:lnSpc>
-              <a:spcBef>
-                <a:spcPts val="1200"/>
-              </a:spcBef>
-              <a:spcAft>
-                <a:spcPts val="0"/>
-              </a:spcAft>
-              <a:buNone/>
-            </a:pPr>
-            <a:r>
-              <a:rPr lang="en-US" sz="1200"/>
-              <a:t> - Transport, postal and warehousing (60.6655)</a:t>
-            </a:r>
-            <a:endParaRPr sz="1200"/>
-          </a:p>
-          <a:p>
-            <a:pPr marL="0" lvl="0" indent="0" algn="l" rtl="0">
-              <a:lnSpc>
-                <a:spcPct val="100000"/>
-              </a:lnSpc>
-              <a:spcBef>
-                <a:spcPts val="1200"/>
-              </a:spcBef>
-              <a:spcAft>
-                <a:spcPts val="0"/>
-              </a:spcAft>
-              <a:buNone/>
-            </a:pPr>
-            <a:r>
-              <a:rPr lang="en-US" sz="1200"/>
-              <a:t> Mid-Range Average Retirement Age: (around 59 years) include:- Other services (59.4330)- Public administration and saf</a:t>
-            </a:r>
-            <a:endParaRPr sz="1200"/>
-          </a:p>
-          <a:p>
-            <a:pPr marL="0" lvl="0" indent="0" algn="l" rtl="0">
-              <a:lnSpc>
-                <a:spcPct val="100000"/>
-              </a:lnSpc>
-              <a:spcBef>
-                <a:spcPts val="1200"/>
-              </a:spcBef>
-              <a:spcAft>
-                <a:spcPts val="0"/>
-              </a:spcAft>
-              <a:buNone/>
-            </a:pPr>
-            <a:r>
-              <a:rPr lang="en-US" sz="1200"/>
-              <a:t> - Health care and social assistance (59.6700)</a:t>
-            </a:r>
-            <a:endParaRPr sz="1200"/>
-          </a:p>
-          <a:p>
-            <a:pPr marL="0" lvl="0" indent="0" algn="l" rtl="0">
-              <a:lnSpc>
-                <a:spcPct val="100000"/>
-              </a:lnSpc>
-              <a:spcBef>
-                <a:spcPts val="1200"/>
-              </a:spcBef>
-              <a:spcAft>
-                <a:spcPts val="0"/>
-              </a:spcAft>
-              <a:buNone/>
-            </a:pPr>
-            <a:r>
-              <a:rPr lang="en-US" sz="1200"/>
-              <a:t> - Wholesale trade (59.7155)ety (59.6490)</a:t>
-            </a:r>
-            <a:endParaRPr sz="1200"/>
-          </a:p>
-          <a:p>
-            <a:pPr marL="0" lvl="0" indent="0" algn="l" rtl="0">
-              <a:lnSpc>
-                <a:spcPct val="100000"/>
-              </a:lnSpc>
-              <a:spcBef>
-                <a:spcPts val="1200"/>
-              </a:spcBef>
-              <a:spcAft>
-                <a:spcPts val="0"/>
-              </a:spcAft>
-              <a:buNone/>
-            </a:pPr>
-            <a:r>
-              <a:rPr lang="en-US" sz="1200"/>
-              <a:t>- Electricity, gas, water and waste services (59.7920)</a:t>
-            </a:r>
-            <a:endParaRPr sz="1200"/>
-          </a:p>
-          <a:p>
-            <a:pPr marL="0" lvl="0" indent="0" algn="l" rtl="0">
-              <a:spcBef>
-                <a:spcPts val="1200"/>
-              </a:spcBef>
-              <a:spcAft>
                 <a:spcPts val="200"/>
               </a:spcAft>
               <a:buNone/>
             </a:pPr>
-            <a:endParaRPr sz="1800"/>
+            <a:endParaRPr sz="1800" dirty="0"/>
           </a:p>
         </p:txBody>
       </p:sp>
@@ -20980,18 +20816,17 @@
           <p:cNvPicPr preferRelativeResize="0"/>
           <p:nvPr/>
         </p:nvPicPr>
-        <p:blipFill>
+        <p:blipFill rotWithShape="1">
           <a:blip r:embed="rId3">
             <a:alphaModFix/>
           </a:blip>
-          <a:stretch>
-            <a:fillRect/>
-          </a:stretch>
+          <a:srcRect t="1600"/>
+          <a:stretch/>
         </p:blipFill>
         <p:spPr>
           <a:xfrm>
-            <a:off x="7032275" y="1543775"/>
-            <a:ext cx="4716824" cy="4717401"/>
+            <a:off x="7032275" y="1619250"/>
+            <a:ext cx="4716824" cy="4641926"/>
           </a:xfrm>
           <a:prstGeom prst="rect">
             <a:avLst/>
@@ -21062,14 +20897,14 @@
               <a:buNone/>
             </a:pPr>
             <a:r>
-              <a:rPr lang="en-US"/>
+              <a:rPr lang="en-US" dirty="0"/>
               <a:t>  </a:t>
             </a:r>
             <a:r>
-              <a:rPr lang="en-US" sz="2750" b="1"/>
+              <a:rPr lang="en-US" sz="2750" b="1" dirty="0"/>
               <a:t>Median top 5 average age values and  year(2014-2021)</a:t>
             </a:r>
-            <a:endParaRPr sz="2750" b="1"/>
+            <a:endParaRPr sz="2750" b="1" dirty="0"/>
           </a:p>
           <a:p>
             <a:pPr marL="0" lvl="0" indent="0" algn="l" rtl="0">
@@ -21081,7 +20916,7 @@
               </a:spcAft>
               <a:buNone/>
             </a:pPr>
-            <a:endParaRPr/>
+            <a:endParaRPr dirty="0"/>
           </a:p>
         </p:txBody>
       </p:sp>
@@ -21097,7 +20932,7 @@
         </p:nvSpPr>
         <p:spPr>
           <a:xfrm>
-            <a:off x="1006075" y="1390500"/>
+            <a:off x="996550" y="1095600"/>
             <a:ext cx="5295900" cy="5041200"/>
           </a:xfrm>
           <a:prstGeom prst="rect">
@@ -21124,10 +20959,32 @@
               <a:buNone/>
             </a:pPr>
             <a:r>
-              <a:rPr lang="en-US" sz="1350" b="1"/>
+              <a:rPr lang="en-US" sz="1350" b="1" dirty="0"/>
               <a:t>Accommodation and Food Services</a:t>
             </a:r>
-            <a:endParaRPr sz="1350" b="1"/>
+            <a:endParaRPr sz="1350" b="1" dirty="0"/>
+          </a:p>
+          <a:p>
+            <a:pPr marL="285750" indent="-285750" algn="just">
+              <a:lnSpc>
+                <a:spcPct val="84000"/>
+              </a:lnSpc>
+              <a:buSzPts val="688"/>
+            </a:pPr>
+            <a:r>
+              <a:rPr lang="en-US" sz="1350" dirty="0"/>
+              <a:t>The average age at retirement for this profession increased from 55.76 in 2014-15 to 58.73 in 2020-21. There's a general upward trend in retirement age over the years.</a:t>
+            </a:r>
+            <a:endParaRPr sz="1350" dirty="0"/>
+          </a:p>
+          <a:p>
+            <a:pPr marL="285750" indent="-285750" algn="just">
+              <a:lnSpc>
+                <a:spcPct val="84000"/>
+              </a:lnSpc>
+              <a:buSzPts val="688"/>
+            </a:pPr>
+            <a:endParaRPr sz="1350" dirty="0"/>
           </a:p>
           <a:p>
             <a:pPr marL="0" lvl="0" indent="0" algn="just" rtl="0">
@@ -21144,46 +21001,23 @@
               <a:buNone/>
             </a:pPr>
             <a:r>
-              <a:rPr lang="en-US" sz="1350"/>
-              <a:t>   - The average age at retirement for this profession increased from 55.76 in 2014-15 to 58.73 in 2020-21. There's a general upward trend in retirement age over the years.</a:t>
-            </a:r>
-            <a:endParaRPr sz="1350"/>
-          </a:p>
-          <a:p>
-            <a:pPr marL="0" lvl="0" indent="0" algn="just" rtl="0">
-              <a:lnSpc>
-                <a:spcPct val="84000"/>
-              </a:lnSpc>
-              <a:spcBef>
-                <a:spcPts val="1000"/>
-              </a:spcBef>
-              <a:spcAft>
-                <a:spcPts val="0"/>
-              </a:spcAft>
-              <a:buSzPts val="688"/>
-              <a:buNone/>
-            </a:pPr>
-            <a:endParaRPr sz="1350"/>
-          </a:p>
-          <a:p>
-            <a:pPr marL="0" lvl="0" indent="0" algn="just" rtl="0">
-              <a:lnSpc>
-                <a:spcPct val="84000"/>
-              </a:lnSpc>
-              <a:spcBef>
-                <a:spcPts val="1000"/>
-              </a:spcBef>
-              <a:spcAft>
-                <a:spcPts val="0"/>
-              </a:spcAft>
-              <a:buSzPts val="688"/>
-              <a:buNone/>
-            </a:pPr>
-            <a:r>
-              <a:rPr lang="en-US" sz="1350" b="1"/>
+              <a:rPr lang="en-US" sz="1350" b="1" dirty="0"/>
               <a:t>Administrative and Support Services</a:t>
             </a:r>
-            <a:endParaRPr sz="1350" b="1"/>
+            <a:endParaRPr sz="1350" b="1" dirty="0"/>
+          </a:p>
+          <a:p>
+            <a:pPr marL="285750" indent="-285750" algn="just">
+              <a:lnSpc>
+                <a:spcPct val="84000"/>
+              </a:lnSpc>
+              <a:buSzPts val="688"/>
+            </a:pPr>
+            <a:r>
+              <a:rPr lang="en-US" sz="1350" dirty="0"/>
+              <a:t>The average age at retirement for this profession increased from 55.83 in 2014-15 to 60.37 in 2020-21. Similar to the previous profession, there's a noticeable increase in retirement age over the years.</a:t>
+            </a:r>
+            <a:endParaRPr sz="1350" dirty="0"/>
           </a:p>
           <a:p>
             <a:pPr marL="0" lvl="0" indent="0" algn="just" rtl="0">
@@ -21200,30 +21034,23 @@
               <a:buNone/>
             </a:pPr>
             <a:r>
-              <a:rPr lang="en-US" sz="1350"/>
-              <a:t>   - The average age at retirement for this profession increased from 55.83 in 2014-15 to 60.37 in 2020-21. Similar to the previous profession, there's a noticeable increase in retirement age over the years.</a:t>
-            </a:r>
-            <a:endParaRPr sz="1350"/>
-          </a:p>
-          <a:p>
-            <a:pPr marL="0" lvl="0" indent="0" algn="just" rtl="0">
-              <a:lnSpc>
-                <a:spcPct val="84000"/>
-              </a:lnSpc>
-              <a:spcBef>
-                <a:spcPts val="1000"/>
-              </a:spcBef>
-              <a:spcAft>
-                <a:spcPts val="0"/>
-              </a:spcAft>
-              <a:buSzPts val="688"/>
-              <a:buNone/>
-            </a:pPr>
-            <a:r>
-              <a:rPr lang="en-US" sz="1350" b="1"/>
+              <a:rPr lang="en-US" sz="1350" b="1" dirty="0"/>
               <a:t>Financial and Insurance Services</a:t>
             </a:r>
-            <a:endParaRPr sz="1350" b="1"/>
+            <a:endParaRPr sz="1350" b="1" dirty="0"/>
+          </a:p>
+          <a:p>
+            <a:pPr marL="285750" indent="-285750" algn="just">
+              <a:lnSpc>
+                <a:spcPct val="84000"/>
+              </a:lnSpc>
+              <a:buSzPts val="688"/>
+            </a:pPr>
+            <a:r>
+              <a:rPr lang="en-US" sz="1350" dirty="0"/>
+              <a:t>The average age at retirement fluctuates over the years but generally increased from 57.50 in 2014-15 to 59.70 in 2020-21.</a:t>
+            </a:r>
+            <a:endParaRPr sz="1350" dirty="0"/>
           </a:p>
           <a:p>
             <a:pPr marL="0" lvl="0" indent="0" algn="just" rtl="0">
@@ -21240,30 +21067,23 @@
               <a:buNone/>
             </a:pPr>
             <a:r>
-              <a:rPr lang="en-US" sz="1350"/>
-              <a:t>   - The average age at retirement fluctuates over the years but generally increased from 57.50 in 2014-15 to 59.70 in 2020-21.</a:t>
-            </a:r>
-            <a:endParaRPr sz="1350"/>
-          </a:p>
-          <a:p>
-            <a:pPr marL="0" lvl="0" indent="0" algn="just" rtl="0">
-              <a:lnSpc>
-                <a:spcPct val="84000"/>
-              </a:lnSpc>
-              <a:spcBef>
-                <a:spcPts val="1000"/>
-              </a:spcBef>
-              <a:spcAft>
-                <a:spcPts val="0"/>
-              </a:spcAft>
-              <a:buSzPts val="688"/>
-              <a:buNone/>
-            </a:pPr>
-            <a:r>
-              <a:rPr lang="en-US" sz="1350" b="1"/>
+              <a:rPr lang="en-US" sz="1350" b="1" dirty="0"/>
               <a:t>Manufacturing</a:t>
             </a:r>
-            <a:endParaRPr sz="1350" b="1"/>
+            <a:endParaRPr sz="1350" b="1" dirty="0"/>
+          </a:p>
+          <a:p>
+            <a:pPr marL="285750" indent="-285750" algn="just">
+              <a:lnSpc>
+                <a:spcPct val="84000"/>
+              </a:lnSpc>
+              <a:buSzPts val="688"/>
+            </a:pPr>
+            <a:r>
+              <a:rPr lang="en-US" sz="1350" dirty="0"/>
+              <a:t>The average age at retirement for the Manufacturing profession increased from 58.12 in 2014-15 to 59.84 in 2020-21. There's a slight upward trend in retirement age.</a:t>
+            </a:r>
+            <a:endParaRPr sz="1350" dirty="0"/>
           </a:p>
           <a:p>
             <a:pPr marL="0" lvl="0" indent="0" algn="just" rtl="0">
@@ -21280,66 +21100,39 @@
               <a:buNone/>
             </a:pPr>
             <a:r>
-              <a:rPr lang="en-US" sz="1350"/>
-              <a:t>   - The average age at retirement for the Manufacturing profession increased from 58.12 in 2014-15 to 59.84 in 2020-21. There's a slight upward trend in retirement age.</a:t>
-            </a:r>
-            <a:endParaRPr sz="1350"/>
-          </a:p>
-          <a:p>
-            <a:pPr marL="0" lvl="0" indent="0" algn="just" rtl="0">
-              <a:lnSpc>
-                <a:spcPct val="84000"/>
-              </a:lnSpc>
-              <a:spcBef>
-                <a:spcPts val="1000"/>
-              </a:spcBef>
-              <a:spcAft>
-                <a:spcPts val="0"/>
-              </a:spcAft>
-              <a:buSzPts val="688"/>
-              <a:buNone/>
-            </a:pPr>
-            <a:r>
-              <a:rPr lang="en-US" sz="1350" b="1"/>
+              <a:rPr lang="en-US" sz="1350" b="1" dirty="0"/>
               <a:t>Retail Trade</a:t>
             </a:r>
-            <a:endParaRPr sz="1350" b="1"/>
-          </a:p>
-          <a:p>
-            <a:pPr marL="0" lvl="0" indent="0" algn="just" rtl="0">
+            <a:endParaRPr sz="1350" b="1" dirty="0"/>
+          </a:p>
+          <a:p>
+            <a:pPr marL="285750" indent="-285750" algn="just">
               <a:lnSpc>
                 <a:spcPct val="84000"/>
               </a:lnSpc>
+              <a:buSzPts val="688"/>
+            </a:pPr>
+            <a:r>
+              <a:rPr lang="en-US" sz="1350" dirty="0"/>
+              <a:t>The average age at retirement for Retail Trade fluctuates, with a decrease from 59.03 in 2018-19 to 57.32 in 2020-21. There's a notable decrease in retirement age in the most recent years</a:t>
+            </a:r>
+            <a:endParaRPr sz="1350" dirty="0"/>
+          </a:p>
+          <a:p>
+            <a:pPr marL="0" lvl="0" indent="0" algn="l" rtl="0">
+              <a:lnSpc>
+                <a:spcPct val="84000"/>
+              </a:lnSpc>
               <a:spcBef>
                 <a:spcPts val="1000"/>
               </a:spcBef>
               <a:spcAft>
-                <a:spcPts val="0"/>
+                <a:spcPts val="200"/>
               </a:spcAft>
               <a:buSzPts val="688"/>
               <a:buNone/>
             </a:pPr>
-            <a:r>
-              <a:rPr lang="en-US" sz="1350"/>
-              <a:t>   - The average age at retirement for Retail Trade fluctuates, with a decrease from 59.03 in 2018-19 to 57.32 in 2020-21. There's a notable decrease in retirement age in the most recent years</a:t>
-            </a:r>
-            <a:endParaRPr sz="1350"/>
-          </a:p>
-          <a:p>
-            <a:pPr marL="0" lvl="0" indent="0" algn="l" rtl="0">
-              <a:lnSpc>
-                <a:spcPct val="84000"/>
-              </a:lnSpc>
-              <a:spcBef>
-                <a:spcPts val="1000"/>
-              </a:spcBef>
-              <a:spcAft>
-                <a:spcPts val="200"/>
-              </a:spcAft>
-              <a:buSzPts val="688"/>
-              <a:buNone/>
-            </a:pPr>
-            <a:endParaRPr sz="1250"/>
+            <a:endParaRPr sz="1250" dirty="0"/>
           </a:p>
         </p:txBody>
       </p:sp>
@@ -21501,8 +21294,8 @@
         </p:nvSpPr>
         <p:spPr>
           <a:xfrm>
-            <a:off x="1069100" y="1530125"/>
-            <a:ext cx="4274700" cy="4316400"/>
+            <a:off x="1069099" y="1520600"/>
+            <a:ext cx="4750675" cy="4316400"/>
           </a:xfrm>
           <a:prstGeom prst="rect">
             <a:avLst/>
@@ -21528,67 +21321,48 @@
               <a:buNone/>
             </a:pPr>
             <a:r>
-              <a:rPr lang="en-US" sz="1800"/>
+              <a:rPr lang="en-US" sz="1800" dirty="0"/>
               <a:t>Highest Average Age at Retirement:</a:t>
             </a:r>
-            <a:endParaRPr sz="1800"/>
-          </a:p>
-          <a:p>
-            <a:pPr marL="0" lvl="0" indent="0" algn="just" rtl="0">
+            <a:endParaRPr sz="1800" dirty="0"/>
+          </a:p>
+          <a:p>
+            <a:pPr marL="285750" indent="-285750" algn="just">
               <a:lnSpc>
                 <a:spcPct val="74000"/>
               </a:lnSpc>
-              <a:spcBef>
-                <a:spcPts val="1000"/>
-              </a:spcBef>
-              <a:spcAft>
-                <a:spcPts val="0"/>
-              </a:spcAft>
               <a:buClr>
                 <a:schemeClr val="dk1"/>
               </a:buClr>
               <a:buSzPts val="770"/>
-              <a:buFont typeface="Arial"/>
-              <a:buNone/>
             </a:pPr>
             <a:r>
-              <a:rPr lang="en-US" sz="1800"/>
-              <a:t>  - Professional, scientific and technical services has consistently shown one of the highest average ages at retirement in both 2018-19 (62) and 2020-21 (62.8).</a:t>
+              <a:rPr lang="en-US" sz="1800" dirty="0"/>
+              <a:t> Professional, scientific and technical services has consistently shown one of the highest average ages at retirement in both 2018-19 (62) and 2020-21 (62.8).</a:t>
             </a:r>
-            <a:endParaRPr sz="1800"/>
-          </a:p>
-          <a:p>
-            <a:pPr marL="0" lvl="0" indent="0" algn="just" rtl="0">
+            <a:endParaRPr sz="1800" dirty="0"/>
+          </a:p>
+          <a:p>
+            <a:pPr marL="285750" indent="-285750" algn="just">
               <a:lnSpc>
                 <a:spcPct val="74000"/>
               </a:lnSpc>
-              <a:spcBef>
-                <a:spcPts val="1000"/>
-              </a:spcBef>
-              <a:spcAft>
-                <a:spcPts val="0"/>
-              </a:spcAft>
               <a:buClr>
                 <a:schemeClr val="dk1"/>
               </a:buClr>
               <a:buSzPts val="770"/>
-              <a:buFont typeface="Arial"/>
-              <a:buNone/>
             </a:pPr>
             <a:r>
-              <a:rPr lang="en-US" sz="1800"/>
+              <a:rPr lang="en-US" sz="1800" dirty="0"/>
               <a:t>Lowest Average Age at Retirement:</a:t>
             </a:r>
-            <a:endParaRPr sz="1800"/>
-          </a:p>
-          <a:p>
-            <a:pPr marL="0" lvl="0" indent="0" algn="just" rtl="0">
+            <a:endParaRPr sz="1800" dirty="0"/>
+          </a:p>
+          <a:p>
+            <a:pPr marL="285750" indent="-285750" algn="just">
               <a:lnSpc>
                 <a:spcPct val="74000"/>
               </a:lnSpc>
-              <a:spcBef>
-                <a:spcPts val="1000"/>
-              </a:spcBef>
               <a:spcAft>
                 <a:spcPts val="200"/>
               </a:spcAft>
@@ -21596,14 +21370,12 @@
                 <a:schemeClr val="dk1"/>
               </a:buClr>
               <a:buSzPts val="770"/>
-              <a:buFont typeface="Arial"/>
-              <a:buNone/>
             </a:pPr>
             <a:r>
-              <a:rPr lang="en-US" sz="1800"/>
-              <a:t> - In 2018-19, "Electricity, gas, water and waste services" had the lowest average age at retirement (43.4), while in 2020-21, "Agriculture, forestry and fishing" had the lowest (46.7).</a:t>
+              <a:rPr lang="en-US" sz="1800" dirty="0"/>
+              <a:t>In 2018-19, "Electricity, gas, water and waste services" had the lowest average age at retirement (43.4), while in 2020-21, "Agriculture, forestry and fishing" had the lowest (46.7).</a:t>
             </a:r>
-            <a:endParaRPr sz="1800"/>
+            <a:endParaRPr sz="1800" dirty="0"/>
           </a:p>
         </p:txBody>
       </p:sp>
